--- a/PPT/RAG Architecture.pptx
+++ b/PPT/RAG Architecture.pptx
@@ -4,10 +4,14 @@
   <p:sldMasterIdLst>
     <p:sldMasterId id="2147483708" r:id="rId1"/>
   </p:sldMasterIdLst>
+  <p:notesMasterIdLst>
+    <p:notesMasterId r:id="rId6"/>
+  </p:notesMasterIdLst>
   <p:sldIdLst>
     <p:sldId id="257" r:id="rId2"/>
     <p:sldId id="256" r:id="rId3"/>
     <p:sldId id="258" r:id="rId4"/>
+    <p:sldId id="259" r:id="rId5"/>
   </p:sldIdLst>
   <p:sldSz cx="44999275" cy="21599525"/>
   <p:notesSz cx="6858000" cy="9144000"/>
@@ -114,6 +118,440 @@
 </p:presentation>
 </file>
 
+<file path=ppt/notesMasters/notesMaster1.xml><?xml version="1.0" encoding="utf-8"?>
+<p:notesMaster xmlns:a="http://schemas.openxmlformats.org/drawingml/2006/main" xmlns:r="http://schemas.openxmlformats.org/officeDocument/2006/relationships" xmlns:p="http://schemas.openxmlformats.org/presentationml/2006/main">
+  <p:cSld>
+    <p:bg>
+      <p:bgRef idx="1001">
+        <a:schemeClr val="bg1"/>
+      </p:bgRef>
+    </p:bg>
+    <p:spTree>
+      <p:nvGrpSpPr>
+        <p:cNvPr id="1" name=""/>
+        <p:cNvGrpSpPr/>
+        <p:nvPr/>
+      </p:nvGrpSpPr>
+      <p:grpSpPr>
+        <a:xfrm>
+          <a:off x="0" y="0"/>
+          <a:ext cx="0" cy="0"/>
+          <a:chOff x="0" y="0"/>
+          <a:chExt cx="0" cy="0"/>
+        </a:xfrm>
+      </p:grpSpPr>
+      <p:sp>
+        <p:nvSpPr>
+          <p:cNvPr id="2" name="Header Placeholder 1"/>
+          <p:cNvSpPr>
+            <a:spLocks noGrp="1"/>
+          </p:cNvSpPr>
+          <p:nvPr>
+            <p:ph type="hdr" sz="quarter"/>
+          </p:nvPr>
+        </p:nvSpPr>
+        <p:spPr>
+          <a:xfrm>
+            <a:off x="0" y="0"/>
+            <a:ext cx="2971800" cy="458788"/>
+          </a:xfrm>
+          <a:prstGeom prst="rect">
+            <a:avLst/>
+          </a:prstGeom>
+        </p:spPr>
+        <p:txBody>
+          <a:bodyPr vert="horz" lIns="91440" tIns="45720" rIns="91440" bIns="45720" rtlCol="0"/>
+          <a:lstStyle>
+            <a:lvl1pPr algn="l">
+              <a:defRPr sz="1200"/>
+            </a:lvl1pPr>
+          </a:lstStyle>
+          <a:p>
+            <a:endParaRPr lang="en-US"/>
+          </a:p>
+        </p:txBody>
+      </p:sp>
+      <p:sp>
+        <p:nvSpPr>
+          <p:cNvPr id="3" name="Date Placeholder 2"/>
+          <p:cNvSpPr>
+            <a:spLocks noGrp="1"/>
+          </p:cNvSpPr>
+          <p:nvPr>
+            <p:ph type="dt" idx="1"/>
+          </p:nvPr>
+        </p:nvSpPr>
+        <p:spPr>
+          <a:xfrm>
+            <a:off x="3884613" y="0"/>
+            <a:ext cx="2971800" cy="458788"/>
+          </a:xfrm>
+          <a:prstGeom prst="rect">
+            <a:avLst/>
+          </a:prstGeom>
+        </p:spPr>
+        <p:txBody>
+          <a:bodyPr vert="horz" lIns="91440" tIns="45720" rIns="91440" bIns="45720" rtlCol="0"/>
+          <a:lstStyle>
+            <a:lvl1pPr algn="r">
+              <a:defRPr sz="1200"/>
+            </a:lvl1pPr>
+          </a:lstStyle>
+          <a:p>
+            <a:fld id="{5E54BA2C-0F30-E448-AF2F-3AFF74F9D830}" type="datetimeFigureOut">
+              <a:rPr lang="en-US" smtClean="0"/>
+              <a:t>6/17/24</a:t>
+            </a:fld>
+            <a:endParaRPr lang="en-US"/>
+          </a:p>
+        </p:txBody>
+      </p:sp>
+      <p:sp>
+        <p:nvSpPr>
+          <p:cNvPr id="4" name="Slide Image Placeholder 3"/>
+          <p:cNvSpPr>
+            <a:spLocks noGrp="1" noRot="1" noChangeAspect="1"/>
+          </p:cNvSpPr>
+          <p:nvPr>
+            <p:ph type="sldImg" idx="2"/>
+          </p:nvPr>
+        </p:nvSpPr>
+        <p:spPr>
+          <a:xfrm>
+            <a:off x="214313" y="1143000"/>
+            <a:ext cx="6429375" cy="3086100"/>
+          </a:xfrm>
+          <a:prstGeom prst="rect">
+            <a:avLst/>
+          </a:prstGeom>
+          <a:noFill/>
+          <a:ln w="12700">
+            <a:solidFill>
+              <a:prstClr val="black"/>
+            </a:solidFill>
+          </a:ln>
+        </p:spPr>
+        <p:txBody>
+          <a:bodyPr vert="horz" lIns="91440" tIns="45720" rIns="91440" bIns="45720" rtlCol="0" anchor="ctr"/>
+          <a:lstStyle/>
+          <a:p>
+            <a:endParaRPr lang="en-US"/>
+          </a:p>
+        </p:txBody>
+      </p:sp>
+      <p:sp>
+        <p:nvSpPr>
+          <p:cNvPr id="5" name="Notes Placeholder 4"/>
+          <p:cNvSpPr>
+            <a:spLocks noGrp="1"/>
+          </p:cNvSpPr>
+          <p:nvPr>
+            <p:ph type="body" sz="quarter" idx="3"/>
+          </p:nvPr>
+        </p:nvSpPr>
+        <p:spPr>
+          <a:xfrm>
+            <a:off x="685800" y="4400550"/>
+            <a:ext cx="5486400" cy="3600450"/>
+          </a:xfrm>
+          <a:prstGeom prst="rect">
+            <a:avLst/>
+          </a:prstGeom>
+        </p:spPr>
+        <p:txBody>
+          <a:bodyPr vert="horz" lIns="91440" tIns="45720" rIns="91440" bIns="45720" rtlCol="0"/>
+          <a:lstStyle/>
+          <a:p>
+            <a:pPr lvl="0"/>
+            <a:r>
+              <a:rPr lang="en-GB"/>
+              <a:t>Click to edit Master text styles</a:t>
+            </a:r>
+          </a:p>
+          <a:p>
+            <a:pPr lvl="1"/>
+            <a:r>
+              <a:rPr lang="en-GB"/>
+              <a:t>Second level</a:t>
+            </a:r>
+          </a:p>
+          <a:p>
+            <a:pPr lvl="2"/>
+            <a:r>
+              <a:rPr lang="en-GB"/>
+              <a:t>Third level</a:t>
+            </a:r>
+          </a:p>
+          <a:p>
+            <a:pPr lvl="3"/>
+            <a:r>
+              <a:rPr lang="en-GB"/>
+              <a:t>Fourth level</a:t>
+            </a:r>
+          </a:p>
+          <a:p>
+            <a:pPr lvl="4"/>
+            <a:r>
+              <a:rPr lang="en-GB"/>
+              <a:t>Fifth level</a:t>
+            </a:r>
+            <a:endParaRPr lang="en-US"/>
+          </a:p>
+        </p:txBody>
+      </p:sp>
+      <p:sp>
+        <p:nvSpPr>
+          <p:cNvPr id="6" name="Footer Placeholder 5"/>
+          <p:cNvSpPr>
+            <a:spLocks noGrp="1"/>
+          </p:cNvSpPr>
+          <p:nvPr>
+            <p:ph type="ftr" sz="quarter" idx="4"/>
+          </p:nvPr>
+        </p:nvSpPr>
+        <p:spPr>
+          <a:xfrm>
+            <a:off x="0" y="8685213"/>
+            <a:ext cx="2971800" cy="458787"/>
+          </a:xfrm>
+          <a:prstGeom prst="rect">
+            <a:avLst/>
+          </a:prstGeom>
+        </p:spPr>
+        <p:txBody>
+          <a:bodyPr vert="horz" lIns="91440" tIns="45720" rIns="91440" bIns="45720" rtlCol="0" anchor="b"/>
+          <a:lstStyle>
+            <a:lvl1pPr algn="l">
+              <a:defRPr sz="1200"/>
+            </a:lvl1pPr>
+          </a:lstStyle>
+          <a:p>
+            <a:endParaRPr lang="en-US"/>
+          </a:p>
+        </p:txBody>
+      </p:sp>
+      <p:sp>
+        <p:nvSpPr>
+          <p:cNvPr id="7" name="Slide Number Placeholder 6"/>
+          <p:cNvSpPr>
+            <a:spLocks noGrp="1"/>
+          </p:cNvSpPr>
+          <p:nvPr>
+            <p:ph type="sldNum" sz="quarter" idx="5"/>
+          </p:nvPr>
+        </p:nvSpPr>
+        <p:spPr>
+          <a:xfrm>
+            <a:off x="3884613" y="8685213"/>
+            <a:ext cx="2971800" cy="458787"/>
+          </a:xfrm>
+          <a:prstGeom prst="rect">
+            <a:avLst/>
+          </a:prstGeom>
+        </p:spPr>
+        <p:txBody>
+          <a:bodyPr vert="horz" lIns="91440" tIns="45720" rIns="91440" bIns="45720" rtlCol="0" anchor="b"/>
+          <a:lstStyle>
+            <a:lvl1pPr algn="r">
+              <a:defRPr sz="1200"/>
+            </a:lvl1pPr>
+          </a:lstStyle>
+          <a:p>
+            <a:fld id="{35D2F276-B2B8-4143-A696-577286106996}" type="slidenum">
+              <a:rPr lang="en-US" smtClean="0"/>
+              <a:t>‹#›</a:t>
+            </a:fld>
+            <a:endParaRPr lang="en-US"/>
+          </a:p>
+        </p:txBody>
+      </p:sp>
+    </p:spTree>
+    <p:extLst>
+      <p:ext uri="{BB962C8B-B14F-4D97-AF65-F5344CB8AC3E}">
+        <p14:creationId xmlns:p14="http://schemas.microsoft.com/office/powerpoint/2010/main" val="4098261161"/>
+      </p:ext>
+    </p:extLst>
+  </p:cSld>
+  <p:clrMap bg1="lt1" tx1="dk1" bg2="lt2" tx2="dk2" accent1="accent1" accent2="accent2" accent3="accent3" accent4="accent4" accent5="accent5" accent6="accent6" hlink="hlink" folHlink="folHlink"/>
+  <p:notesStyle>
+    <a:lvl1pPr marL="0" algn="l" defTabSz="914400" rtl="0" eaLnBrk="1" latinLnBrk="0" hangingPunct="1">
+      <a:defRPr sz="1200" kern="1200">
+        <a:solidFill>
+          <a:schemeClr val="tx1"/>
+        </a:solidFill>
+        <a:latin typeface="+mn-lt"/>
+        <a:ea typeface="+mn-ea"/>
+        <a:cs typeface="+mn-cs"/>
+      </a:defRPr>
+    </a:lvl1pPr>
+    <a:lvl2pPr marL="457200" algn="l" defTabSz="914400" rtl="0" eaLnBrk="1" latinLnBrk="0" hangingPunct="1">
+      <a:defRPr sz="1200" kern="1200">
+        <a:solidFill>
+          <a:schemeClr val="tx1"/>
+        </a:solidFill>
+        <a:latin typeface="+mn-lt"/>
+        <a:ea typeface="+mn-ea"/>
+        <a:cs typeface="+mn-cs"/>
+      </a:defRPr>
+    </a:lvl2pPr>
+    <a:lvl3pPr marL="914400" algn="l" defTabSz="914400" rtl="0" eaLnBrk="1" latinLnBrk="0" hangingPunct="1">
+      <a:defRPr sz="1200" kern="1200">
+        <a:solidFill>
+          <a:schemeClr val="tx1"/>
+        </a:solidFill>
+        <a:latin typeface="+mn-lt"/>
+        <a:ea typeface="+mn-ea"/>
+        <a:cs typeface="+mn-cs"/>
+      </a:defRPr>
+    </a:lvl3pPr>
+    <a:lvl4pPr marL="1371600" algn="l" defTabSz="914400" rtl="0" eaLnBrk="1" latinLnBrk="0" hangingPunct="1">
+      <a:defRPr sz="1200" kern="1200">
+        <a:solidFill>
+          <a:schemeClr val="tx1"/>
+        </a:solidFill>
+        <a:latin typeface="+mn-lt"/>
+        <a:ea typeface="+mn-ea"/>
+        <a:cs typeface="+mn-cs"/>
+      </a:defRPr>
+    </a:lvl4pPr>
+    <a:lvl5pPr marL="1828800" algn="l" defTabSz="914400" rtl="0" eaLnBrk="1" latinLnBrk="0" hangingPunct="1">
+      <a:defRPr sz="1200" kern="1200">
+        <a:solidFill>
+          <a:schemeClr val="tx1"/>
+        </a:solidFill>
+        <a:latin typeface="+mn-lt"/>
+        <a:ea typeface="+mn-ea"/>
+        <a:cs typeface="+mn-cs"/>
+      </a:defRPr>
+    </a:lvl5pPr>
+    <a:lvl6pPr marL="2286000" algn="l" defTabSz="914400" rtl="0" eaLnBrk="1" latinLnBrk="0" hangingPunct="1">
+      <a:defRPr sz="1200" kern="1200">
+        <a:solidFill>
+          <a:schemeClr val="tx1"/>
+        </a:solidFill>
+        <a:latin typeface="+mn-lt"/>
+        <a:ea typeface="+mn-ea"/>
+        <a:cs typeface="+mn-cs"/>
+      </a:defRPr>
+    </a:lvl6pPr>
+    <a:lvl7pPr marL="2743200" algn="l" defTabSz="914400" rtl="0" eaLnBrk="1" latinLnBrk="0" hangingPunct="1">
+      <a:defRPr sz="1200" kern="1200">
+        <a:solidFill>
+          <a:schemeClr val="tx1"/>
+        </a:solidFill>
+        <a:latin typeface="+mn-lt"/>
+        <a:ea typeface="+mn-ea"/>
+        <a:cs typeface="+mn-cs"/>
+      </a:defRPr>
+    </a:lvl7pPr>
+    <a:lvl8pPr marL="3200400" algn="l" defTabSz="914400" rtl="0" eaLnBrk="1" latinLnBrk="0" hangingPunct="1">
+      <a:defRPr sz="1200" kern="1200">
+        <a:solidFill>
+          <a:schemeClr val="tx1"/>
+        </a:solidFill>
+        <a:latin typeface="+mn-lt"/>
+        <a:ea typeface="+mn-ea"/>
+        <a:cs typeface="+mn-cs"/>
+      </a:defRPr>
+    </a:lvl8pPr>
+    <a:lvl9pPr marL="3657600" algn="l" defTabSz="914400" rtl="0" eaLnBrk="1" latinLnBrk="0" hangingPunct="1">
+      <a:defRPr sz="1200" kern="1200">
+        <a:solidFill>
+          <a:schemeClr val="tx1"/>
+        </a:solidFill>
+        <a:latin typeface="+mn-lt"/>
+        <a:ea typeface="+mn-ea"/>
+        <a:cs typeface="+mn-cs"/>
+      </a:defRPr>
+    </a:lvl9pPr>
+  </p:notesStyle>
+</p:notesMaster>
+</file>
+
+<file path=ppt/notesSlides/notesSlide1.xml><?xml version="1.0" encoding="utf-8"?>
+<p:notes xmlns:a="http://schemas.openxmlformats.org/drawingml/2006/main" xmlns:r="http://schemas.openxmlformats.org/officeDocument/2006/relationships" xmlns:p="http://schemas.openxmlformats.org/presentationml/2006/main">
+  <p:cSld>
+    <p:spTree>
+      <p:nvGrpSpPr>
+        <p:cNvPr id="1" name=""/>
+        <p:cNvGrpSpPr/>
+        <p:nvPr/>
+      </p:nvGrpSpPr>
+      <p:grpSpPr>
+        <a:xfrm>
+          <a:off x="0" y="0"/>
+          <a:ext cx="0" cy="0"/>
+          <a:chOff x="0" y="0"/>
+          <a:chExt cx="0" cy="0"/>
+        </a:xfrm>
+      </p:grpSpPr>
+      <p:sp>
+        <p:nvSpPr>
+          <p:cNvPr id="2" name="Slide Image Placeholder 1"/>
+          <p:cNvSpPr>
+            <a:spLocks noGrp="1" noRot="1" noChangeAspect="1"/>
+          </p:cNvSpPr>
+          <p:nvPr>
+            <p:ph type="sldImg"/>
+          </p:nvPr>
+        </p:nvSpPr>
+        <p:spPr/>
+      </p:sp>
+      <p:sp>
+        <p:nvSpPr>
+          <p:cNvPr id="3" name="Notes Placeholder 2"/>
+          <p:cNvSpPr>
+            <a:spLocks noGrp="1"/>
+          </p:cNvSpPr>
+          <p:nvPr>
+            <p:ph type="body" idx="1"/>
+          </p:nvPr>
+        </p:nvSpPr>
+        <p:spPr/>
+        <p:txBody>
+          <a:bodyPr/>
+          <a:lstStyle/>
+          <a:p>
+            <a:endParaRPr lang="en-US" dirty="0"/>
+          </a:p>
+        </p:txBody>
+      </p:sp>
+      <p:sp>
+        <p:nvSpPr>
+          <p:cNvPr id="4" name="Slide Number Placeholder 3"/>
+          <p:cNvSpPr>
+            <a:spLocks noGrp="1"/>
+          </p:cNvSpPr>
+          <p:nvPr>
+            <p:ph type="sldNum" sz="quarter" idx="5"/>
+          </p:nvPr>
+        </p:nvSpPr>
+        <p:spPr/>
+        <p:txBody>
+          <a:bodyPr/>
+          <a:lstStyle/>
+          <a:p>
+            <a:fld id="{35D2F276-B2B8-4143-A696-577286106996}" type="slidenum">
+              <a:rPr lang="en-US" smtClean="0"/>
+              <a:t>4</a:t>
+            </a:fld>
+            <a:endParaRPr lang="en-US"/>
+          </a:p>
+        </p:txBody>
+      </p:sp>
+    </p:spTree>
+    <p:extLst>
+      <p:ext uri="{BB962C8B-B14F-4D97-AF65-F5344CB8AC3E}">
+        <p14:creationId xmlns:p14="http://schemas.microsoft.com/office/powerpoint/2010/main" val="200583723"/>
+      </p:ext>
+    </p:extLst>
+  </p:cSld>
+  <p:clrMapOvr>
+    <a:masterClrMapping/>
+  </p:clrMapOvr>
+</p:notes>
+</file>
+
 <file path=ppt/slideLayouts/slideLayout1.xml><?xml version="1.0" encoding="utf-8"?>
 <p:sldLayout xmlns:a="http://schemas.openxmlformats.org/drawingml/2006/main" xmlns:r="http://schemas.openxmlformats.org/officeDocument/2006/relationships" xmlns:p="http://schemas.openxmlformats.org/presentationml/2006/main" type="title" preserve="1">
   <p:cSld name="Title Slide">
@@ -245,7 +683,7 @@
           <a:p>
             <a:fld id="{987F91DC-D5D8-5342-BC57-7C52B19F6866}" type="datetimeFigureOut">
               <a:rPr lang="en-US" smtClean="0"/>
-              <a:t>4/11/24</a:t>
+              <a:t>6/17/24</a:t>
             </a:fld>
             <a:endParaRPr lang="en-US"/>
           </a:p>
@@ -415,7 +853,7 @@
           <a:p>
             <a:fld id="{987F91DC-D5D8-5342-BC57-7C52B19F6866}" type="datetimeFigureOut">
               <a:rPr lang="en-US" smtClean="0"/>
-              <a:t>4/11/24</a:t>
+              <a:t>6/17/24</a:t>
             </a:fld>
             <a:endParaRPr lang="en-US"/>
           </a:p>
@@ -595,7 +1033,7 @@
           <a:p>
             <a:fld id="{987F91DC-D5D8-5342-BC57-7C52B19F6866}" type="datetimeFigureOut">
               <a:rPr lang="en-US" smtClean="0"/>
-              <a:t>4/11/24</a:t>
+              <a:t>6/17/24</a:t>
             </a:fld>
             <a:endParaRPr lang="en-US"/>
           </a:p>
@@ -765,7 +1203,7 @@
           <a:p>
             <a:fld id="{987F91DC-D5D8-5342-BC57-7C52B19F6866}" type="datetimeFigureOut">
               <a:rPr lang="en-US" smtClean="0"/>
-              <a:t>4/11/24</a:t>
+              <a:t>6/17/24</a:t>
             </a:fld>
             <a:endParaRPr lang="en-US"/>
           </a:p>
@@ -1011,7 +1449,7 @@
           <a:p>
             <a:fld id="{987F91DC-D5D8-5342-BC57-7C52B19F6866}" type="datetimeFigureOut">
               <a:rPr lang="en-US" smtClean="0"/>
-              <a:t>4/11/24</a:t>
+              <a:t>6/17/24</a:t>
             </a:fld>
             <a:endParaRPr lang="en-US"/>
           </a:p>
@@ -1243,7 +1681,7 @@
           <a:p>
             <a:fld id="{987F91DC-D5D8-5342-BC57-7C52B19F6866}" type="datetimeFigureOut">
               <a:rPr lang="en-US" smtClean="0"/>
-              <a:t>4/11/24</a:t>
+              <a:t>6/17/24</a:t>
             </a:fld>
             <a:endParaRPr lang="en-US"/>
           </a:p>
@@ -1610,7 +2048,7 @@
           <a:p>
             <a:fld id="{987F91DC-D5D8-5342-BC57-7C52B19F6866}" type="datetimeFigureOut">
               <a:rPr lang="en-US" smtClean="0"/>
-              <a:t>4/11/24</a:t>
+              <a:t>6/17/24</a:t>
             </a:fld>
             <a:endParaRPr lang="en-US"/>
           </a:p>
@@ -1728,7 +2166,7 @@
           <a:p>
             <a:fld id="{987F91DC-D5D8-5342-BC57-7C52B19F6866}" type="datetimeFigureOut">
               <a:rPr lang="en-US" smtClean="0"/>
-              <a:t>4/11/24</a:t>
+              <a:t>6/17/24</a:t>
             </a:fld>
             <a:endParaRPr lang="en-US"/>
           </a:p>
@@ -1823,7 +2261,7 @@
           <a:p>
             <a:fld id="{987F91DC-D5D8-5342-BC57-7C52B19F6866}" type="datetimeFigureOut">
               <a:rPr lang="en-US" smtClean="0"/>
-              <a:t>4/11/24</a:t>
+              <a:t>6/17/24</a:t>
             </a:fld>
             <a:endParaRPr lang="en-US"/>
           </a:p>
@@ -2100,7 +2538,7 @@
           <a:p>
             <a:fld id="{987F91DC-D5D8-5342-BC57-7C52B19F6866}" type="datetimeFigureOut">
               <a:rPr lang="en-US" smtClean="0"/>
-              <a:t>4/11/24</a:t>
+              <a:t>6/17/24</a:t>
             </a:fld>
             <a:endParaRPr lang="en-US"/>
           </a:p>
@@ -2357,7 +2795,7 @@
           <a:p>
             <a:fld id="{987F91DC-D5D8-5342-BC57-7C52B19F6866}" type="datetimeFigureOut">
               <a:rPr lang="en-US" smtClean="0"/>
-              <a:t>4/11/24</a:t>
+              <a:t>6/17/24</a:t>
             </a:fld>
             <a:endParaRPr lang="en-US"/>
           </a:p>
@@ -2570,7 +3008,7 @@
           <a:p>
             <a:fld id="{987F91DC-D5D8-5342-BC57-7C52B19F6866}" type="datetimeFigureOut">
               <a:rPr lang="en-US" smtClean="0"/>
-              <a:t>4/11/24</a:t>
+              <a:t>6/17/24</a:t>
             </a:fld>
             <a:endParaRPr lang="en-US"/>
           </a:p>
@@ -13047,6 +13485,2985 @@
 </p:sld>
 </file>
 
+<file path=ppt/slides/slide4.xml><?xml version="1.0" encoding="utf-8"?>
+<p:sld xmlns:a="http://schemas.openxmlformats.org/drawingml/2006/main" xmlns:r="http://schemas.openxmlformats.org/officeDocument/2006/relationships" xmlns:p="http://schemas.openxmlformats.org/presentationml/2006/main">
+  <p:cSld>
+    <p:spTree>
+      <p:nvGrpSpPr>
+        <p:cNvPr id="1" name=""/>
+        <p:cNvGrpSpPr/>
+        <p:nvPr/>
+      </p:nvGrpSpPr>
+      <p:grpSpPr>
+        <a:xfrm>
+          <a:off x="0" y="0"/>
+          <a:ext cx="0" cy="0"/>
+          <a:chOff x="0" y="0"/>
+          <a:chExt cx="0" cy="0"/>
+        </a:xfrm>
+      </p:grpSpPr>
+      <p:sp>
+        <p:nvSpPr>
+          <p:cNvPr id="1126" name="Rounded Rectangle 1125">
+            <a:extLst>
+              <a:ext uri="{FF2B5EF4-FFF2-40B4-BE49-F238E27FC236}">
+                <a16:creationId xmlns:a16="http://schemas.microsoft.com/office/drawing/2014/main" id="{384273E4-33E0-39F2-91FE-C202FCFFE13B}"/>
+              </a:ext>
+            </a:extLst>
+          </p:cNvPr>
+          <p:cNvSpPr/>
+          <p:nvPr/>
+        </p:nvSpPr>
+        <p:spPr>
+          <a:xfrm>
+            <a:off x="11500770" y="9705600"/>
+            <a:ext cx="28832922" cy="7948376"/>
+          </a:xfrm>
+          <a:prstGeom prst="roundRect">
+            <a:avLst/>
+          </a:prstGeom>
+          <a:blipFill>
+            <a:blip r:embed="rId3"/>
+            <a:tile tx="0" ty="0" sx="100000" sy="100000" flip="none" algn="tl"/>
+          </a:blipFill>
+          <a:ln>
+            <a:headEnd type="none" w="med" len="med"/>
+            <a:tailEnd type="none" w="med" len="med"/>
+          </a:ln>
+        </p:spPr>
+        <p:style>
+          <a:lnRef idx="1">
+            <a:schemeClr val="accent4"/>
+          </a:lnRef>
+          <a:fillRef idx="2">
+            <a:schemeClr val="accent4"/>
+          </a:fillRef>
+          <a:effectRef idx="1">
+            <a:schemeClr val="accent4"/>
+          </a:effectRef>
+          <a:fontRef idx="minor">
+            <a:schemeClr val="dk1"/>
+          </a:fontRef>
+        </p:style>
+        <p:txBody>
+          <a:bodyPr rtlCol="0" anchor="ctr"/>
+          <a:lstStyle/>
+          <a:p>
+            <a:pPr algn="ctr"/>
+            <a:endParaRPr lang="en-US" dirty="0">
+              <a:highlight>
+                <a:srgbClr val="FFFF00"/>
+              </a:highlight>
+            </a:endParaRPr>
+          </a:p>
+        </p:txBody>
+      </p:sp>
+      <p:sp>
+        <p:nvSpPr>
+          <p:cNvPr id="1125" name="Rounded Rectangle 1124">
+            <a:extLst>
+              <a:ext uri="{FF2B5EF4-FFF2-40B4-BE49-F238E27FC236}">
+                <a16:creationId xmlns:a16="http://schemas.microsoft.com/office/drawing/2014/main" id="{B3DB7D46-6D29-423E-66F7-B67A763D9C3B}"/>
+              </a:ext>
+            </a:extLst>
+          </p:cNvPr>
+          <p:cNvSpPr/>
+          <p:nvPr/>
+        </p:nvSpPr>
+        <p:spPr>
+          <a:xfrm>
+            <a:off x="4755279" y="759260"/>
+            <a:ext cx="35488716" cy="8832888"/>
+          </a:xfrm>
+          <a:prstGeom prst="roundRect">
+            <a:avLst/>
+          </a:prstGeom>
+          <a:blipFill>
+            <a:blip r:embed="rId4"/>
+            <a:tile tx="0" ty="0" sx="100000" sy="100000" flip="none" algn="tl"/>
+          </a:blipFill>
+          <a:ln>
+            <a:headEnd type="none" w="med" len="med"/>
+            <a:tailEnd type="none" w="med" len="med"/>
+          </a:ln>
+        </p:spPr>
+        <p:style>
+          <a:lnRef idx="1">
+            <a:schemeClr val="accent4"/>
+          </a:lnRef>
+          <a:fillRef idx="2">
+            <a:schemeClr val="accent4"/>
+          </a:fillRef>
+          <a:effectRef idx="1">
+            <a:schemeClr val="accent4"/>
+          </a:effectRef>
+          <a:fontRef idx="minor">
+            <a:schemeClr val="dk1"/>
+          </a:fontRef>
+        </p:style>
+        <p:txBody>
+          <a:bodyPr rtlCol="0" anchor="ctr"/>
+          <a:lstStyle/>
+          <a:p>
+            <a:pPr algn="ctr"/>
+            <a:endParaRPr lang="en-US" dirty="0">
+              <a:highlight>
+                <a:srgbClr val="FFFF00"/>
+              </a:highlight>
+            </a:endParaRPr>
+          </a:p>
+        </p:txBody>
+      </p:sp>
+      <p:grpSp>
+        <p:nvGrpSpPr>
+          <p:cNvPr id="1044" name="Group 1043">
+            <a:extLst>
+              <a:ext uri="{FF2B5EF4-FFF2-40B4-BE49-F238E27FC236}">
+                <a16:creationId xmlns:a16="http://schemas.microsoft.com/office/drawing/2014/main" id="{94634F30-3A96-B306-42FE-A3E18E2B2DA4}"/>
+              </a:ext>
+            </a:extLst>
+          </p:cNvPr>
+          <p:cNvGrpSpPr/>
+          <p:nvPr/>
+        </p:nvGrpSpPr>
+        <p:grpSpPr>
+          <a:xfrm>
+            <a:off x="5186220" y="1786709"/>
+            <a:ext cx="10703858" cy="4954066"/>
+            <a:chOff x="796702" y="2063447"/>
+            <a:chExt cx="10703858" cy="4954066"/>
+          </a:xfrm>
+        </p:grpSpPr>
+        <p:grpSp>
+          <p:nvGrpSpPr>
+            <p:cNvPr id="56" name="Group 55">
+              <a:extLst>
+                <a:ext uri="{FF2B5EF4-FFF2-40B4-BE49-F238E27FC236}">
+                  <a16:creationId xmlns:a16="http://schemas.microsoft.com/office/drawing/2014/main" id="{9FDBB798-9AF9-AA18-5BB3-FF3C8C7834EF}"/>
+                </a:ext>
+              </a:extLst>
+            </p:cNvPr>
+            <p:cNvGrpSpPr/>
+            <p:nvPr/>
+          </p:nvGrpSpPr>
+          <p:grpSpPr>
+            <a:xfrm>
+              <a:off x="3011850" y="2063447"/>
+              <a:ext cx="5900134" cy="3417139"/>
+              <a:chOff x="2433917" y="4106325"/>
+              <a:chExt cx="8498542" cy="6261473"/>
+            </a:xfrm>
+          </p:grpSpPr>
+          <p:pic>
+            <p:nvPicPr>
+              <p:cNvPr id="1028" name="Picture 4" descr="Pdf document icon Stock Vector | Adobe Stock">
+                <a:extLst>
+                  <a:ext uri="{FF2B5EF4-FFF2-40B4-BE49-F238E27FC236}">
+                    <a16:creationId xmlns:a16="http://schemas.microsoft.com/office/drawing/2014/main" id="{8A755B95-648E-DFBE-2FCC-744F22054AEA}"/>
+                  </a:ext>
+                </a:extLst>
+              </p:cNvPr>
+              <p:cNvPicPr>
+                <a:picLocks noChangeAspect="1" noChangeArrowheads="1"/>
+              </p:cNvPicPr>
+              <p:nvPr/>
+            </p:nvPicPr>
+            <p:blipFill rotWithShape="1">
+              <a:blip r:embed="rId5">
+                <a:extLst>
+                  <a:ext uri="{28A0092B-C50C-407E-A947-70E740481C1C}">
+                    <a14:useLocalDpi xmlns:a14="http://schemas.microsoft.com/office/drawing/2010/main" val="0"/>
+                  </a:ext>
+                </a:extLst>
+              </a:blip>
+              <a:srcRect l="17685" t="12821" r="22598" b="20261"/>
+              <a:stretch/>
+            </p:blipFill>
+            <p:spPr bwMode="auto">
+              <a:xfrm>
+                <a:off x="2433917" y="4138282"/>
+                <a:ext cx="2635624" cy="2953394"/>
+              </a:xfrm>
+              <a:prstGeom prst="rect">
+                <a:avLst/>
+              </a:prstGeom>
+              <a:noFill/>
+              <a:extLst>
+                <a:ext uri="{909E8E84-426E-40DD-AFC4-6F175D3DCCD1}">
+                  <a14:hiddenFill xmlns:a14="http://schemas.microsoft.com/office/drawing/2010/main">
+                    <a:solidFill>
+                      <a:srgbClr val="FFFFFF"/>
+                    </a:solidFill>
+                  </a14:hiddenFill>
+                </a:ext>
+              </a:extLst>
+            </p:spPr>
+          </p:pic>
+          <p:pic>
+            <p:nvPicPr>
+              <p:cNvPr id="52" name="Picture 4" descr="Pdf document icon Stock Vector | Adobe Stock">
+                <a:extLst>
+                  <a:ext uri="{FF2B5EF4-FFF2-40B4-BE49-F238E27FC236}">
+                    <a16:creationId xmlns:a16="http://schemas.microsoft.com/office/drawing/2014/main" id="{8718498F-6CC5-17A5-4B0C-2ACD835EE18C}"/>
+                  </a:ext>
+                </a:extLst>
+              </p:cNvPr>
+              <p:cNvPicPr>
+                <a:picLocks noChangeAspect="1" noChangeArrowheads="1"/>
+              </p:cNvPicPr>
+              <p:nvPr/>
+            </p:nvPicPr>
+            <p:blipFill rotWithShape="1">
+              <a:blip r:embed="rId5">
+                <a:extLst>
+                  <a:ext uri="{28A0092B-C50C-407E-A947-70E740481C1C}">
+                    <a14:useLocalDpi xmlns:a14="http://schemas.microsoft.com/office/drawing/2010/main" val="0"/>
+                  </a:ext>
+                </a:extLst>
+              </a:blip>
+              <a:srcRect l="17685" t="12821" r="22598" b="20261"/>
+              <a:stretch/>
+            </p:blipFill>
+            <p:spPr bwMode="auto">
+              <a:xfrm>
+                <a:off x="5365376" y="4138282"/>
+                <a:ext cx="2635624" cy="2953394"/>
+              </a:xfrm>
+              <a:prstGeom prst="rect">
+                <a:avLst/>
+              </a:prstGeom>
+              <a:noFill/>
+              <a:extLst>
+                <a:ext uri="{909E8E84-426E-40DD-AFC4-6F175D3DCCD1}">
+                  <a14:hiddenFill xmlns:a14="http://schemas.microsoft.com/office/drawing/2010/main">
+                    <a:solidFill>
+                      <a:srgbClr val="FFFFFF"/>
+                    </a:solidFill>
+                  </a14:hiddenFill>
+                </a:ext>
+              </a:extLst>
+            </p:spPr>
+          </p:pic>
+          <p:pic>
+            <p:nvPicPr>
+              <p:cNvPr id="53" name="Picture 4" descr="Pdf document icon Stock Vector | Adobe Stock">
+                <a:extLst>
+                  <a:ext uri="{FF2B5EF4-FFF2-40B4-BE49-F238E27FC236}">
+                    <a16:creationId xmlns:a16="http://schemas.microsoft.com/office/drawing/2014/main" id="{8AECF867-A033-506E-3F64-D59CF130033B}"/>
+                  </a:ext>
+                </a:extLst>
+              </p:cNvPr>
+              <p:cNvPicPr>
+                <a:picLocks noChangeAspect="1" noChangeArrowheads="1"/>
+              </p:cNvPicPr>
+              <p:nvPr/>
+            </p:nvPicPr>
+            <p:blipFill rotWithShape="1">
+              <a:blip r:embed="rId5">
+                <a:extLst>
+                  <a:ext uri="{28A0092B-C50C-407E-A947-70E740481C1C}">
+                    <a14:useLocalDpi xmlns:a14="http://schemas.microsoft.com/office/drawing/2010/main" val="0"/>
+                  </a:ext>
+                </a:extLst>
+              </a:blip>
+              <a:srcRect l="17685" t="12821" r="22598" b="20261"/>
+              <a:stretch/>
+            </p:blipFill>
+            <p:spPr bwMode="auto">
+              <a:xfrm>
+                <a:off x="8296835" y="4106325"/>
+                <a:ext cx="2635624" cy="2953394"/>
+              </a:xfrm>
+              <a:prstGeom prst="rect">
+                <a:avLst/>
+              </a:prstGeom>
+              <a:noFill/>
+              <a:extLst>
+                <a:ext uri="{909E8E84-426E-40DD-AFC4-6F175D3DCCD1}">
+                  <a14:hiddenFill xmlns:a14="http://schemas.microsoft.com/office/drawing/2010/main">
+                    <a:solidFill>
+                      <a:srgbClr val="FFFFFF"/>
+                    </a:solidFill>
+                  </a14:hiddenFill>
+                </a:ext>
+              </a:extLst>
+            </p:spPr>
+          </p:pic>
+          <p:pic>
+            <p:nvPicPr>
+              <p:cNvPr id="54" name="Picture 4" descr="Pdf document icon Stock Vector | Adobe Stock">
+                <a:extLst>
+                  <a:ext uri="{FF2B5EF4-FFF2-40B4-BE49-F238E27FC236}">
+                    <a16:creationId xmlns:a16="http://schemas.microsoft.com/office/drawing/2014/main" id="{2DC57539-E628-BBD2-7FCF-D8B80A83CB64}"/>
+                  </a:ext>
+                </a:extLst>
+              </p:cNvPr>
+              <p:cNvPicPr>
+                <a:picLocks noChangeAspect="1" noChangeArrowheads="1"/>
+              </p:cNvPicPr>
+              <p:nvPr/>
+            </p:nvPicPr>
+            <p:blipFill rotWithShape="1">
+              <a:blip r:embed="rId5">
+                <a:extLst>
+                  <a:ext uri="{28A0092B-C50C-407E-A947-70E740481C1C}">
+                    <a14:useLocalDpi xmlns:a14="http://schemas.microsoft.com/office/drawing/2010/main" val="0"/>
+                  </a:ext>
+                </a:extLst>
+              </a:blip>
+              <a:srcRect l="17685" t="12821" r="22598" b="20261"/>
+              <a:stretch/>
+            </p:blipFill>
+            <p:spPr bwMode="auto">
+              <a:xfrm>
+                <a:off x="4020671" y="7414404"/>
+                <a:ext cx="2635624" cy="2953394"/>
+              </a:xfrm>
+              <a:prstGeom prst="rect">
+                <a:avLst/>
+              </a:prstGeom>
+              <a:noFill/>
+              <a:extLst>
+                <a:ext uri="{909E8E84-426E-40DD-AFC4-6F175D3DCCD1}">
+                  <a14:hiddenFill xmlns:a14="http://schemas.microsoft.com/office/drawing/2010/main">
+                    <a:solidFill>
+                      <a:srgbClr val="FFFFFF"/>
+                    </a:solidFill>
+                  </a14:hiddenFill>
+                </a:ext>
+              </a:extLst>
+            </p:spPr>
+          </p:pic>
+          <p:pic>
+            <p:nvPicPr>
+              <p:cNvPr id="55" name="Picture 4" descr="Pdf document icon Stock Vector | Adobe Stock">
+                <a:extLst>
+                  <a:ext uri="{FF2B5EF4-FFF2-40B4-BE49-F238E27FC236}">
+                    <a16:creationId xmlns:a16="http://schemas.microsoft.com/office/drawing/2014/main" id="{28C56EAC-66AB-AB8E-A9A7-5A233274E589}"/>
+                  </a:ext>
+                </a:extLst>
+              </p:cNvPr>
+              <p:cNvPicPr>
+                <a:picLocks noChangeAspect="1" noChangeArrowheads="1"/>
+              </p:cNvPicPr>
+              <p:nvPr/>
+            </p:nvPicPr>
+            <p:blipFill rotWithShape="1">
+              <a:blip r:embed="rId5">
+                <a:extLst>
+                  <a:ext uri="{28A0092B-C50C-407E-A947-70E740481C1C}">
+                    <a14:useLocalDpi xmlns:a14="http://schemas.microsoft.com/office/drawing/2010/main" val="0"/>
+                  </a:ext>
+                </a:extLst>
+              </a:blip>
+              <a:srcRect l="17685" t="12821" r="22598" b="20261"/>
+              <a:stretch/>
+            </p:blipFill>
+            <p:spPr bwMode="auto">
+              <a:xfrm>
+                <a:off x="6952130" y="7414404"/>
+                <a:ext cx="2635624" cy="2953394"/>
+              </a:xfrm>
+              <a:prstGeom prst="rect">
+                <a:avLst/>
+              </a:prstGeom>
+              <a:noFill/>
+              <a:extLst>
+                <a:ext uri="{909E8E84-426E-40DD-AFC4-6F175D3DCCD1}">
+                  <a14:hiddenFill xmlns:a14="http://schemas.microsoft.com/office/drawing/2010/main">
+                    <a:solidFill>
+                      <a:srgbClr val="FFFFFF"/>
+                    </a:solidFill>
+                  </a14:hiddenFill>
+                </a:ext>
+              </a:extLst>
+            </p:spPr>
+          </p:pic>
+        </p:grpSp>
+        <p:sp>
+          <p:nvSpPr>
+            <p:cNvPr id="58" name="TextBox 57">
+              <a:extLst>
+                <a:ext uri="{FF2B5EF4-FFF2-40B4-BE49-F238E27FC236}">
+                  <a16:creationId xmlns:a16="http://schemas.microsoft.com/office/drawing/2014/main" id="{50AB615A-9FAD-8F58-86AE-47C6431C1AFE}"/>
+                </a:ext>
+              </a:extLst>
+            </p:cNvPr>
+            <p:cNvSpPr txBox="1"/>
+            <p:nvPr/>
+          </p:nvSpPr>
+          <p:spPr>
+            <a:xfrm>
+              <a:off x="796702" y="6094183"/>
+              <a:ext cx="10703858" cy="923330"/>
+            </a:xfrm>
+            <a:prstGeom prst="rect">
+              <a:avLst/>
+            </a:prstGeom>
+            <a:noFill/>
+          </p:spPr>
+          <p:txBody>
+            <a:bodyPr wrap="square">
+              <a:spAutoFit/>
+            </a:bodyPr>
+            <a:lstStyle>
+              <a:defPPr>
+                <a:defRPr lang="en-US"/>
+              </a:defPPr>
+              <a:lvl1pPr>
+                <a:defRPr sz="3200" b="1"/>
+              </a:lvl1pPr>
+            </a:lstStyle>
+            <a:p>
+              <a:r>
+                <a:rPr lang="en-HK" sz="5400" dirty="0"/>
+                <a:t>companies+”data-10-k-2023.pdf</a:t>
+              </a:r>
+            </a:p>
+          </p:txBody>
+        </p:sp>
+      </p:grpSp>
+      <p:grpSp>
+        <p:nvGrpSpPr>
+          <p:cNvPr id="61" name="Group 60">
+            <a:extLst>
+              <a:ext uri="{FF2B5EF4-FFF2-40B4-BE49-F238E27FC236}">
+                <a16:creationId xmlns:a16="http://schemas.microsoft.com/office/drawing/2014/main" id="{E99DB3FC-B9E5-D503-EB58-D4A20C898155}"/>
+              </a:ext>
+            </a:extLst>
+          </p:cNvPr>
+          <p:cNvGrpSpPr/>
+          <p:nvPr/>
+        </p:nvGrpSpPr>
+        <p:grpSpPr>
+          <a:xfrm>
+            <a:off x="31969975" y="2161607"/>
+            <a:ext cx="4837413" cy="2020977"/>
+            <a:chOff x="24713753" y="8780943"/>
+            <a:chExt cx="4837413" cy="2020977"/>
+          </a:xfrm>
+        </p:grpSpPr>
+        <p:grpSp>
+          <p:nvGrpSpPr>
+            <p:cNvPr id="62" name="Group 61">
+              <a:extLst>
+                <a:ext uri="{FF2B5EF4-FFF2-40B4-BE49-F238E27FC236}">
+                  <a16:creationId xmlns:a16="http://schemas.microsoft.com/office/drawing/2014/main" id="{235A44F6-5580-9B12-8CF9-607B02EC3D97}"/>
+                </a:ext>
+              </a:extLst>
+            </p:cNvPr>
+            <p:cNvGrpSpPr/>
+            <p:nvPr/>
+          </p:nvGrpSpPr>
+          <p:grpSpPr>
+            <a:xfrm>
+              <a:off x="24713753" y="8929082"/>
+              <a:ext cx="4837413" cy="1872838"/>
+              <a:chOff x="16008421" y="9632594"/>
+              <a:chExt cx="4837413" cy="1872838"/>
+            </a:xfrm>
+          </p:grpSpPr>
+          <p:grpSp>
+            <p:nvGrpSpPr>
+              <p:cNvPr id="1024" name="Group 1023">
+                <a:extLst>
+                  <a:ext uri="{FF2B5EF4-FFF2-40B4-BE49-F238E27FC236}">
+                    <a16:creationId xmlns:a16="http://schemas.microsoft.com/office/drawing/2014/main" id="{7736A11C-C822-21B3-83F6-67CE69237376}"/>
+                  </a:ext>
+                </a:extLst>
+              </p:cNvPr>
+              <p:cNvGrpSpPr/>
+              <p:nvPr/>
+            </p:nvGrpSpPr>
+            <p:grpSpPr>
+              <a:xfrm>
+                <a:off x="16008421" y="9632594"/>
+                <a:ext cx="4837413" cy="923164"/>
+                <a:chOff x="9516532" y="9414933"/>
+                <a:chExt cx="4837413" cy="923164"/>
+              </a:xfrm>
+            </p:grpSpPr>
+            <p:sp>
+              <p:nvSpPr>
+                <p:cNvPr id="1027" name="Rectangle 1026">
+                  <a:extLst>
+                    <a:ext uri="{FF2B5EF4-FFF2-40B4-BE49-F238E27FC236}">
+                      <a16:creationId xmlns:a16="http://schemas.microsoft.com/office/drawing/2014/main" id="{3D61B1EC-4DED-2E9D-95C0-2337CB70DB03}"/>
+                    </a:ext>
+                  </a:extLst>
+                </p:cNvPr>
+                <p:cNvSpPr/>
+                <p:nvPr/>
+              </p:nvSpPr>
+              <p:spPr>
+                <a:xfrm>
+                  <a:off x="9516532" y="9414933"/>
+                  <a:ext cx="1151467" cy="923164"/>
+                </a:xfrm>
+                <a:prstGeom prst="rect">
+                  <a:avLst/>
+                </a:prstGeom>
+                <a:solidFill>
+                  <a:schemeClr val="bg1"/>
+                </a:solidFill>
+                <a:ln w="34925">
+                  <a:solidFill>
+                    <a:srgbClr val="00B0F0"/>
+                  </a:solidFill>
+                </a:ln>
+              </p:spPr>
+              <p:style>
+                <a:lnRef idx="2">
+                  <a:schemeClr val="accent1">
+                    <a:shade val="15000"/>
+                  </a:schemeClr>
+                </a:lnRef>
+                <a:fillRef idx="1">
+                  <a:schemeClr val="accent1"/>
+                </a:fillRef>
+                <a:effectRef idx="0">
+                  <a:schemeClr val="accent1"/>
+                </a:effectRef>
+                <a:fontRef idx="minor">
+                  <a:schemeClr val="lt1"/>
+                </a:fontRef>
+              </p:style>
+              <p:txBody>
+                <a:bodyPr rtlCol="0" anchor="ctr"/>
+                <a:lstStyle/>
+                <a:p>
+                  <a:pPr algn="ctr"/>
+                  <a:endParaRPr lang="en-US" sz="1400" dirty="0">
+                    <a:solidFill>
+                      <a:schemeClr val="tx1"/>
+                    </a:solidFill>
+                  </a:endParaRPr>
+                </a:p>
+              </p:txBody>
+            </p:sp>
+            <p:sp>
+              <p:nvSpPr>
+                <p:cNvPr id="1029" name="Rectangle 1028">
+                  <a:extLst>
+                    <a:ext uri="{FF2B5EF4-FFF2-40B4-BE49-F238E27FC236}">
+                      <a16:creationId xmlns:a16="http://schemas.microsoft.com/office/drawing/2014/main" id="{DC42EB28-45E5-E3C7-FA8C-B321EF40E67B}"/>
+                    </a:ext>
+                  </a:extLst>
+                </p:cNvPr>
+                <p:cNvSpPr/>
+                <p:nvPr/>
+              </p:nvSpPr>
+              <p:spPr>
+                <a:xfrm>
+                  <a:off x="10420559" y="9414933"/>
+                  <a:ext cx="1151467" cy="923164"/>
+                </a:xfrm>
+                <a:prstGeom prst="rect">
+                  <a:avLst/>
+                </a:prstGeom>
+                <a:solidFill>
+                  <a:schemeClr val="bg1">
+                    <a:alpha val="42000"/>
+                  </a:schemeClr>
+                </a:solidFill>
+                <a:ln w="34925">
+                  <a:solidFill>
+                    <a:srgbClr val="C00000"/>
+                  </a:solidFill>
+                </a:ln>
+              </p:spPr>
+              <p:style>
+                <a:lnRef idx="2">
+                  <a:schemeClr val="accent1">
+                    <a:shade val="15000"/>
+                  </a:schemeClr>
+                </a:lnRef>
+                <a:fillRef idx="1">
+                  <a:schemeClr val="accent1"/>
+                </a:fillRef>
+                <a:effectRef idx="0">
+                  <a:schemeClr val="accent1"/>
+                </a:effectRef>
+                <a:fontRef idx="minor">
+                  <a:schemeClr val="lt1"/>
+                </a:fontRef>
+              </p:style>
+              <p:txBody>
+                <a:bodyPr rtlCol="0" anchor="ctr"/>
+                <a:lstStyle/>
+                <a:p>
+                  <a:pPr algn="ctr"/>
+                  <a:endParaRPr lang="en-US" dirty="0"/>
+                </a:p>
+              </p:txBody>
+            </p:sp>
+            <p:sp>
+              <p:nvSpPr>
+                <p:cNvPr id="1030" name="Rectangle 1029">
+                  <a:extLst>
+                    <a:ext uri="{FF2B5EF4-FFF2-40B4-BE49-F238E27FC236}">
+                      <a16:creationId xmlns:a16="http://schemas.microsoft.com/office/drawing/2014/main" id="{102EA993-1E4A-71D7-7AA4-53E780D3FBF5}"/>
+                    </a:ext>
+                  </a:extLst>
+                </p:cNvPr>
+                <p:cNvSpPr/>
+                <p:nvPr/>
+              </p:nvSpPr>
+              <p:spPr>
+                <a:xfrm>
+                  <a:off x="11359505" y="9414933"/>
+                  <a:ext cx="1151467" cy="923164"/>
+                </a:xfrm>
+                <a:prstGeom prst="rect">
+                  <a:avLst/>
+                </a:prstGeom>
+                <a:solidFill>
+                  <a:schemeClr val="bg1">
+                    <a:alpha val="42000"/>
+                  </a:schemeClr>
+                </a:solidFill>
+                <a:ln w="34925">
+                  <a:solidFill>
+                    <a:schemeClr val="accent1">
+                      <a:lumMod val="50000"/>
+                    </a:schemeClr>
+                  </a:solidFill>
+                </a:ln>
+              </p:spPr>
+              <p:style>
+                <a:lnRef idx="2">
+                  <a:schemeClr val="accent1">
+                    <a:shade val="15000"/>
+                  </a:schemeClr>
+                </a:lnRef>
+                <a:fillRef idx="1">
+                  <a:schemeClr val="accent1"/>
+                </a:fillRef>
+                <a:effectRef idx="0">
+                  <a:schemeClr val="accent1"/>
+                </a:effectRef>
+                <a:fontRef idx="minor">
+                  <a:schemeClr val="lt1"/>
+                </a:fontRef>
+              </p:style>
+              <p:txBody>
+                <a:bodyPr rtlCol="0" anchor="ctr"/>
+                <a:lstStyle/>
+                <a:p>
+                  <a:pPr algn="ctr"/>
+                  <a:endParaRPr lang="en-US"/>
+                </a:p>
+              </p:txBody>
+            </p:sp>
+            <p:sp>
+              <p:nvSpPr>
+                <p:cNvPr id="1031" name="Rectangle 1030">
+                  <a:extLst>
+                    <a:ext uri="{FF2B5EF4-FFF2-40B4-BE49-F238E27FC236}">
+                      <a16:creationId xmlns:a16="http://schemas.microsoft.com/office/drawing/2014/main" id="{356DE962-E1D5-19B9-BBA7-68FFB6C6C9CB}"/>
+                    </a:ext>
+                  </a:extLst>
+                </p:cNvPr>
+                <p:cNvSpPr/>
+                <p:nvPr/>
+              </p:nvSpPr>
+              <p:spPr>
+                <a:xfrm>
+                  <a:off x="12263532" y="9414933"/>
+                  <a:ext cx="1151467" cy="923164"/>
+                </a:xfrm>
+                <a:prstGeom prst="rect">
+                  <a:avLst/>
+                </a:prstGeom>
+                <a:solidFill>
+                  <a:schemeClr val="bg1">
+                    <a:alpha val="42000"/>
+                  </a:schemeClr>
+                </a:solidFill>
+                <a:ln w="34925">
+                  <a:solidFill>
+                    <a:schemeClr val="accent2">
+                      <a:lumMod val="75000"/>
+                    </a:schemeClr>
+                  </a:solidFill>
+                </a:ln>
+              </p:spPr>
+              <p:style>
+                <a:lnRef idx="2">
+                  <a:schemeClr val="accent1">
+                    <a:shade val="15000"/>
+                  </a:schemeClr>
+                </a:lnRef>
+                <a:fillRef idx="1">
+                  <a:schemeClr val="accent1"/>
+                </a:fillRef>
+                <a:effectRef idx="0">
+                  <a:schemeClr val="accent1"/>
+                </a:effectRef>
+                <a:fontRef idx="minor">
+                  <a:schemeClr val="lt1"/>
+                </a:fontRef>
+              </p:style>
+              <p:txBody>
+                <a:bodyPr rtlCol="0" anchor="ctr"/>
+                <a:lstStyle/>
+                <a:p>
+                  <a:pPr algn="ctr"/>
+                  <a:endParaRPr lang="en-US"/>
+                </a:p>
+              </p:txBody>
+            </p:sp>
+            <p:sp>
+              <p:nvSpPr>
+                <p:cNvPr id="1032" name="Rectangle 1031">
+                  <a:extLst>
+                    <a:ext uri="{FF2B5EF4-FFF2-40B4-BE49-F238E27FC236}">
+                      <a16:creationId xmlns:a16="http://schemas.microsoft.com/office/drawing/2014/main" id="{0C0EE2AA-436E-BA57-78FD-65D2864283F0}"/>
+                    </a:ext>
+                  </a:extLst>
+                </p:cNvPr>
+                <p:cNvSpPr/>
+                <p:nvPr/>
+              </p:nvSpPr>
+              <p:spPr>
+                <a:xfrm>
+                  <a:off x="13202478" y="9414933"/>
+                  <a:ext cx="1151467" cy="923164"/>
+                </a:xfrm>
+                <a:prstGeom prst="rect">
+                  <a:avLst/>
+                </a:prstGeom>
+                <a:solidFill>
+                  <a:schemeClr val="bg1">
+                    <a:alpha val="42000"/>
+                  </a:schemeClr>
+                </a:solidFill>
+                <a:ln w="34925">
+                  <a:solidFill>
+                    <a:schemeClr val="tx2">
+                      <a:lumMod val="75000"/>
+                      <a:lumOff val="25000"/>
+                    </a:schemeClr>
+                  </a:solidFill>
+                </a:ln>
+              </p:spPr>
+              <p:style>
+                <a:lnRef idx="2">
+                  <a:schemeClr val="accent1">
+                    <a:shade val="15000"/>
+                  </a:schemeClr>
+                </a:lnRef>
+                <a:fillRef idx="1">
+                  <a:schemeClr val="accent1"/>
+                </a:fillRef>
+                <a:effectRef idx="0">
+                  <a:schemeClr val="accent1"/>
+                </a:effectRef>
+                <a:fontRef idx="minor">
+                  <a:schemeClr val="lt1"/>
+                </a:fontRef>
+              </p:style>
+              <p:txBody>
+                <a:bodyPr rtlCol="0" anchor="ctr"/>
+                <a:lstStyle/>
+                <a:p>
+                  <a:pPr algn="ctr"/>
+                  <a:endParaRPr lang="en-US"/>
+                </a:p>
+              </p:txBody>
+            </p:sp>
+          </p:grpSp>
+          <p:sp>
+            <p:nvSpPr>
+              <p:cNvPr id="1025" name="Rectangle 1024">
+                <a:extLst>
+                  <a:ext uri="{FF2B5EF4-FFF2-40B4-BE49-F238E27FC236}">
+                    <a16:creationId xmlns:a16="http://schemas.microsoft.com/office/drawing/2014/main" id="{3A3D7B07-E79F-CB03-98FF-F029B54D784B}"/>
+                  </a:ext>
+                </a:extLst>
+              </p:cNvPr>
+              <p:cNvSpPr/>
+              <p:nvPr/>
+            </p:nvSpPr>
+            <p:spPr>
+              <a:xfrm>
+                <a:off x="16459441" y="10582102"/>
+                <a:ext cx="3740126" cy="923330"/>
+              </a:xfrm>
+              <a:prstGeom prst="rect">
+                <a:avLst/>
+              </a:prstGeom>
+              <a:noFill/>
+            </p:spPr>
+            <p:txBody>
+              <a:bodyPr wrap="none" lIns="91440" tIns="45720" rIns="91440" bIns="45720">
+                <a:spAutoFit/>
+              </a:bodyPr>
+              <a:lstStyle/>
+              <a:p>
+                <a:pPr algn="ctr"/>
+                <a:r>
+                  <a:rPr lang="en-GB" sz="5400" b="1" dirty="0">
+                    <a:ln w="0"/>
+                    <a:effectLst>
+                      <a:reflection blurRad="6350" stA="53000" endA="300" endPos="35500" dir="5400000" sy="-90000" algn="bl" rotWithShape="0"/>
+                    </a:effectLst>
+                  </a:rPr>
+                  <a:t>Embedding</a:t>
+                </a:r>
+              </a:p>
+            </p:txBody>
+          </p:sp>
+        </p:grpSp>
+        <p:sp>
+          <p:nvSpPr>
+            <p:cNvPr id="63" name="TextBox 62">
+              <a:extLst>
+                <a:ext uri="{FF2B5EF4-FFF2-40B4-BE49-F238E27FC236}">
+                  <a16:creationId xmlns:a16="http://schemas.microsoft.com/office/drawing/2014/main" id="{159AD79B-4482-014C-C701-0600C0D43240}"/>
+                </a:ext>
+              </a:extLst>
+            </p:cNvPr>
+            <p:cNvSpPr txBox="1"/>
+            <p:nvPr/>
+          </p:nvSpPr>
+          <p:spPr>
+            <a:xfrm>
+              <a:off x="24713753" y="8780943"/>
+              <a:ext cx="4662154" cy="1200329"/>
+            </a:xfrm>
+            <a:prstGeom prst="rect">
+              <a:avLst/>
+            </a:prstGeom>
+            <a:noFill/>
+          </p:spPr>
+          <p:txBody>
+            <a:bodyPr wrap="square" rtlCol="0">
+              <a:spAutoFit/>
+            </a:bodyPr>
+            <a:lstStyle/>
+            <a:p>
+              <a:r>
+                <a:rPr lang="en-US" dirty="0"/>
+                <a:t>1 0 0 11 0 0 1 1 0 0 1 1 0 0 1 1 0 0 1 1 0 0 11 0 0 1 1 0 0 1 1 0 0 1 1 0 0 1 1 0 0 11 0 0 1 1 0 0 1 1 0 0 1 1 0 0 1 1 0 0 11 0 0 1 1 0 0 1 1 0 0 1 1 0 0 11 0 0 11 0 0 1 1 0 0 1 1 0 0 1 1 0 0 1 1 0 0 11 0 0 1</a:t>
+              </a:r>
+            </a:p>
+          </p:txBody>
+        </p:sp>
+      </p:grpSp>
+      <p:grpSp>
+        <p:nvGrpSpPr>
+          <p:cNvPr id="1033" name="Group 1032">
+            <a:extLst>
+              <a:ext uri="{FF2B5EF4-FFF2-40B4-BE49-F238E27FC236}">
+                <a16:creationId xmlns:a16="http://schemas.microsoft.com/office/drawing/2014/main" id="{6F589A00-AEA3-45B6-B44A-5EC6F79B0054}"/>
+              </a:ext>
+            </a:extLst>
+          </p:cNvPr>
+          <p:cNvGrpSpPr/>
+          <p:nvPr/>
+        </p:nvGrpSpPr>
+        <p:grpSpPr>
+          <a:xfrm>
+            <a:off x="22018764" y="2326193"/>
+            <a:ext cx="4837413" cy="1872838"/>
+            <a:chOff x="10073785" y="9632594"/>
+            <a:chExt cx="4837413" cy="1872838"/>
+          </a:xfrm>
+        </p:grpSpPr>
+        <p:grpSp>
+          <p:nvGrpSpPr>
+            <p:cNvPr id="1034" name="Group 1033">
+              <a:extLst>
+                <a:ext uri="{FF2B5EF4-FFF2-40B4-BE49-F238E27FC236}">
+                  <a16:creationId xmlns:a16="http://schemas.microsoft.com/office/drawing/2014/main" id="{62688B57-6EFC-94DD-4CC0-86D49AB29409}"/>
+                </a:ext>
+              </a:extLst>
+            </p:cNvPr>
+            <p:cNvGrpSpPr/>
+            <p:nvPr/>
+          </p:nvGrpSpPr>
+          <p:grpSpPr>
+            <a:xfrm>
+              <a:off x="10073785" y="9632594"/>
+              <a:ext cx="4837413" cy="923164"/>
+              <a:chOff x="9516532" y="9414933"/>
+              <a:chExt cx="4837413" cy="923164"/>
+            </a:xfrm>
+          </p:grpSpPr>
+          <p:sp>
+            <p:nvSpPr>
+              <p:cNvPr id="1036" name="Rectangle 1035">
+                <a:extLst>
+                  <a:ext uri="{FF2B5EF4-FFF2-40B4-BE49-F238E27FC236}">
+                    <a16:creationId xmlns:a16="http://schemas.microsoft.com/office/drawing/2014/main" id="{63EBD523-0BC7-3050-D1C5-E125ABB5DC77}"/>
+                  </a:ext>
+                </a:extLst>
+              </p:cNvPr>
+              <p:cNvSpPr/>
+              <p:nvPr/>
+            </p:nvSpPr>
+            <p:spPr>
+              <a:xfrm>
+                <a:off x="9516532" y="9414933"/>
+                <a:ext cx="1151467" cy="923164"/>
+              </a:xfrm>
+              <a:prstGeom prst="rect">
+                <a:avLst/>
+              </a:prstGeom>
+              <a:solidFill>
+                <a:schemeClr val="bg1"/>
+              </a:solidFill>
+              <a:ln w="34925">
+                <a:solidFill>
+                  <a:srgbClr val="00B0F0"/>
+                </a:solidFill>
+              </a:ln>
+            </p:spPr>
+            <p:style>
+              <a:lnRef idx="2">
+                <a:schemeClr val="accent1">
+                  <a:shade val="15000"/>
+                </a:schemeClr>
+              </a:lnRef>
+              <a:fillRef idx="1">
+                <a:schemeClr val="accent1"/>
+              </a:fillRef>
+              <a:effectRef idx="0">
+                <a:schemeClr val="accent1"/>
+              </a:effectRef>
+              <a:fontRef idx="minor">
+                <a:schemeClr val="lt1"/>
+              </a:fontRef>
+            </p:style>
+            <p:txBody>
+              <a:bodyPr rtlCol="0" anchor="ctr"/>
+              <a:lstStyle/>
+              <a:p>
+                <a:pPr algn="ctr"/>
+                <a:endParaRPr lang="en-US"/>
+              </a:p>
+            </p:txBody>
+          </p:sp>
+          <p:sp>
+            <p:nvSpPr>
+              <p:cNvPr id="1037" name="Rectangle 1036">
+                <a:extLst>
+                  <a:ext uri="{FF2B5EF4-FFF2-40B4-BE49-F238E27FC236}">
+                    <a16:creationId xmlns:a16="http://schemas.microsoft.com/office/drawing/2014/main" id="{3BF6EE1D-9961-BC50-68EA-A6E26F8532D7}"/>
+                  </a:ext>
+                </a:extLst>
+              </p:cNvPr>
+              <p:cNvSpPr/>
+              <p:nvPr/>
+            </p:nvSpPr>
+            <p:spPr>
+              <a:xfrm>
+                <a:off x="10420559" y="9414933"/>
+                <a:ext cx="1151467" cy="923164"/>
+              </a:xfrm>
+              <a:prstGeom prst="rect">
+                <a:avLst/>
+              </a:prstGeom>
+              <a:solidFill>
+                <a:schemeClr val="bg1">
+                  <a:alpha val="42000"/>
+                </a:schemeClr>
+              </a:solidFill>
+              <a:ln w="34925">
+                <a:solidFill>
+                  <a:srgbClr val="C00000"/>
+                </a:solidFill>
+              </a:ln>
+            </p:spPr>
+            <p:style>
+              <a:lnRef idx="2">
+                <a:schemeClr val="accent1">
+                  <a:shade val="15000"/>
+                </a:schemeClr>
+              </a:lnRef>
+              <a:fillRef idx="1">
+                <a:schemeClr val="accent1"/>
+              </a:fillRef>
+              <a:effectRef idx="0">
+                <a:schemeClr val="accent1"/>
+              </a:effectRef>
+              <a:fontRef idx="minor">
+                <a:schemeClr val="lt1"/>
+              </a:fontRef>
+            </p:style>
+            <p:txBody>
+              <a:bodyPr rtlCol="0" anchor="ctr"/>
+              <a:lstStyle/>
+              <a:p>
+                <a:pPr algn="ctr"/>
+                <a:endParaRPr lang="en-US"/>
+              </a:p>
+            </p:txBody>
+          </p:sp>
+          <p:sp>
+            <p:nvSpPr>
+              <p:cNvPr id="1038" name="Rectangle 1037">
+                <a:extLst>
+                  <a:ext uri="{FF2B5EF4-FFF2-40B4-BE49-F238E27FC236}">
+                    <a16:creationId xmlns:a16="http://schemas.microsoft.com/office/drawing/2014/main" id="{FBB02461-FBC7-2F51-D952-9115B34FBF63}"/>
+                  </a:ext>
+                </a:extLst>
+              </p:cNvPr>
+              <p:cNvSpPr/>
+              <p:nvPr/>
+            </p:nvSpPr>
+            <p:spPr>
+              <a:xfrm>
+                <a:off x="11359505" y="9414933"/>
+                <a:ext cx="1151467" cy="923164"/>
+              </a:xfrm>
+              <a:prstGeom prst="rect">
+                <a:avLst/>
+              </a:prstGeom>
+              <a:solidFill>
+                <a:schemeClr val="bg1">
+                  <a:alpha val="42000"/>
+                </a:schemeClr>
+              </a:solidFill>
+              <a:ln w="34925">
+                <a:solidFill>
+                  <a:schemeClr val="accent1">
+                    <a:lumMod val="50000"/>
+                  </a:schemeClr>
+                </a:solidFill>
+              </a:ln>
+            </p:spPr>
+            <p:style>
+              <a:lnRef idx="2">
+                <a:schemeClr val="accent1">
+                  <a:shade val="15000"/>
+                </a:schemeClr>
+              </a:lnRef>
+              <a:fillRef idx="1">
+                <a:schemeClr val="accent1"/>
+              </a:fillRef>
+              <a:effectRef idx="0">
+                <a:schemeClr val="accent1"/>
+              </a:effectRef>
+              <a:fontRef idx="minor">
+                <a:schemeClr val="lt1"/>
+              </a:fontRef>
+            </p:style>
+            <p:txBody>
+              <a:bodyPr rtlCol="0" anchor="ctr"/>
+              <a:lstStyle/>
+              <a:p>
+                <a:pPr algn="ctr"/>
+                <a:endParaRPr lang="en-US"/>
+              </a:p>
+            </p:txBody>
+          </p:sp>
+          <p:sp>
+            <p:nvSpPr>
+              <p:cNvPr id="1039" name="Rectangle 1038">
+                <a:extLst>
+                  <a:ext uri="{FF2B5EF4-FFF2-40B4-BE49-F238E27FC236}">
+                    <a16:creationId xmlns:a16="http://schemas.microsoft.com/office/drawing/2014/main" id="{88750E6A-2385-43F3-2F0F-C11827C4F631}"/>
+                  </a:ext>
+                </a:extLst>
+              </p:cNvPr>
+              <p:cNvSpPr/>
+              <p:nvPr/>
+            </p:nvSpPr>
+            <p:spPr>
+              <a:xfrm>
+                <a:off x="12263532" y="9414933"/>
+                <a:ext cx="1151467" cy="923164"/>
+              </a:xfrm>
+              <a:prstGeom prst="rect">
+                <a:avLst/>
+              </a:prstGeom>
+              <a:solidFill>
+                <a:schemeClr val="bg1">
+                  <a:alpha val="42000"/>
+                </a:schemeClr>
+              </a:solidFill>
+              <a:ln w="34925">
+                <a:solidFill>
+                  <a:schemeClr val="accent2">
+                    <a:lumMod val="75000"/>
+                  </a:schemeClr>
+                </a:solidFill>
+              </a:ln>
+            </p:spPr>
+            <p:style>
+              <a:lnRef idx="2">
+                <a:schemeClr val="accent1">
+                  <a:shade val="15000"/>
+                </a:schemeClr>
+              </a:lnRef>
+              <a:fillRef idx="1">
+                <a:schemeClr val="accent1"/>
+              </a:fillRef>
+              <a:effectRef idx="0">
+                <a:schemeClr val="accent1"/>
+              </a:effectRef>
+              <a:fontRef idx="minor">
+                <a:schemeClr val="lt1"/>
+              </a:fontRef>
+            </p:style>
+            <p:txBody>
+              <a:bodyPr rtlCol="0" anchor="ctr"/>
+              <a:lstStyle/>
+              <a:p>
+                <a:pPr algn="ctr"/>
+                <a:endParaRPr lang="en-US"/>
+              </a:p>
+            </p:txBody>
+          </p:sp>
+          <p:sp>
+            <p:nvSpPr>
+              <p:cNvPr id="1040" name="Rectangle 1039">
+                <a:extLst>
+                  <a:ext uri="{FF2B5EF4-FFF2-40B4-BE49-F238E27FC236}">
+                    <a16:creationId xmlns:a16="http://schemas.microsoft.com/office/drawing/2014/main" id="{B1156995-F6F3-78A0-B662-20FF3B6C29A4}"/>
+                  </a:ext>
+                </a:extLst>
+              </p:cNvPr>
+              <p:cNvSpPr/>
+              <p:nvPr/>
+            </p:nvSpPr>
+            <p:spPr>
+              <a:xfrm>
+                <a:off x="13202478" y="9414933"/>
+                <a:ext cx="1151467" cy="923164"/>
+              </a:xfrm>
+              <a:prstGeom prst="rect">
+                <a:avLst/>
+              </a:prstGeom>
+              <a:solidFill>
+                <a:schemeClr val="bg1">
+                  <a:alpha val="42000"/>
+                </a:schemeClr>
+              </a:solidFill>
+              <a:ln w="34925">
+                <a:solidFill>
+                  <a:schemeClr val="tx2">
+                    <a:lumMod val="75000"/>
+                    <a:lumOff val="25000"/>
+                  </a:schemeClr>
+                </a:solidFill>
+              </a:ln>
+            </p:spPr>
+            <p:style>
+              <a:lnRef idx="2">
+                <a:schemeClr val="accent1">
+                  <a:shade val="15000"/>
+                </a:schemeClr>
+              </a:lnRef>
+              <a:fillRef idx="1">
+                <a:schemeClr val="accent1"/>
+              </a:fillRef>
+              <a:effectRef idx="0">
+                <a:schemeClr val="accent1"/>
+              </a:effectRef>
+              <a:fontRef idx="minor">
+                <a:schemeClr val="lt1"/>
+              </a:fontRef>
+            </p:style>
+            <p:txBody>
+              <a:bodyPr rtlCol="0" anchor="ctr"/>
+              <a:lstStyle/>
+              <a:p>
+                <a:pPr algn="ctr"/>
+                <a:endParaRPr lang="en-US"/>
+              </a:p>
+            </p:txBody>
+          </p:sp>
+        </p:grpSp>
+        <p:sp>
+          <p:nvSpPr>
+            <p:cNvPr id="1035" name="Rectangle 1034">
+              <a:extLst>
+                <a:ext uri="{FF2B5EF4-FFF2-40B4-BE49-F238E27FC236}">
+                  <a16:creationId xmlns:a16="http://schemas.microsoft.com/office/drawing/2014/main" id="{239019FC-0333-A9FE-5031-3813C2EEFDD3}"/>
+                </a:ext>
+              </a:extLst>
+            </p:cNvPr>
+            <p:cNvSpPr/>
+            <p:nvPr/>
+          </p:nvSpPr>
+          <p:spPr>
+            <a:xfrm>
+              <a:off x="11193607" y="10582102"/>
+              <a:ext cx="2597442" cy="923330"/>
+            </a:xfrm>
+            <a:prstGeom prst="rect">
+              <a:avLst/>
+            </a:prstGeom>
+            <a:noFill/>
+          </p:spPr>
+          <p:txBody>
+            <a:bodyPr wrap="none" lIns="91440" tIns="45720" rIns="91440" bIns="45720">
+              <a:spAutoFit/>
+            </a:bodyPr>
+            <a:lstStyle/>
+            <a:p>
+              <a:pPr algn="ctr"/>
+              <a:r>
+                <a:rPr lang="en-GB" sz="5400" b="1" dirty="0">
+                  <a:ln w="0"/>
+                  <a:effectLst>
+                    <a:reflection blurRad="6350" stA="53000" endA="300" endPos="35500" dir="5400000" sy="-90000" algn="bl" rotWithShape="0"/>
+                  </a:effectLst>
+                </a:rPr>
+                <a:t>Chunks</a:t>
+              </a:r>
+            </a:p>
+          </p:txBody>
+        </p:sp>
+      </p:grpSp>
+      <p:grpSp>
+        <p:nvGrpSpPr>
+          <p:cNvPr id="1043" name="Group 1042">
+            <a:extLst>
+              <a:ext uri="{FF2B5EF4-FFF2-40B4-BE49-F238E27FC236}">
+                <a16:creationId xmlns:a16="http://schemas.microsoft.com/office/drawing/2014/main" id="{971F0D21-1B56-7E42-F225-A33D957BCCBD}"/>
+              </a:ext>
+            </a:extLst>
+          </p:cNvPr>
+          <p:cNvGrpSpPr/>
+          <p:nvPr/>
+        </p:nvGrpSpPr>
+        <p:grpSpPr>
+          <a:xfrm>
+            <a:off x="31774863" y="5722876"/>
+            <a:ext cx="3891288" cy="3543577"/>
+            <a:chOff x="33012347" y="2819365"/>
+            <a:chExt cx="3891288" cy="3543577"/>
+          </a:xfrm>
+        </p:grpSpPr>
+        <p:pic>
+          <p:nvPicPr>
+            <p:cNvPr id="1041" name="Picture 10" descr="ChromaDB is a powerful vector database ...">
+              <a:extLst>
+                <a:ext uri="{FF2B5EF4-FFF2-40B4-BE49-F238E27FC236}">
+                  <a16:creationId xmlns:a16="http://schemas.microsoft.com/office/drawing/2014/main" id="{46B65EDF-EC43-1CEF-61C1-E27710697977}"/>
+                </a:ext>
+              </a:extLst>
+            </p:cNvPr>
+            <p:cNvPicPr>
+              <a:picLocks noChangeAspect="1" noChangeArrowheads="1"/>
+            </p:cNvPicPr>
+            <p:nvPr/>
+          </p:nvPicPr>
+          <p:blipFill rotWithShape="1">
+            <a:blip r:embed="rId6">
+              <a:extLst>
+                <a:ext uri="{28A0092B-C50C-407E-A947-70E740481C1C}">
+                  <a14:useLocalDpi xmlns:a14="http://schemas.microsoft.com/office/drawing/2010/main" val="0"/>
+                </a:ext>
+              </a:extLst>
+            </a:blip>
+            <a:srcRect b="31289"/>
+            <a:stretch/>
+          </p:blipFill>
+          <p:spPr bwMode="auto">
+            <a:xfrm>
+              <a:off x="33593812" y="2819365"/>
+              <a:ext cx="2933700" cy="1902326"/>
+            </a:xfrm>
+            <a:prstGeom prst="rect">
+              <a:avLst/>
+            </a:prstGeom>
+            <a:noFill/>
+            <a:extLst>
+              <a:ext uri="{909E8E84-426E-40DD-AFC4-6F175D3DCCD1}">
+                <a14:hiddenFill xmlns:a14="http://schemas.microsoft.com/office/drawing/2010/main">
+                  <a:solidFill>
+                    <a:srgbClr val="FFFFFF"/>
+                  </a:solidFill>
+                </a14:hiddenFill>
+              </a:ext>
+            </a:extLst>
+          </p:spPr>
+        </p:pic>
+        <p:sp>
+          <p:nvSpPr>
+            <p:cNvPr id="1042" name="TextBox 1041">
+              <a:extLst>
+                <a:ext uri="{FF2B5EF4-FFF2-40B4-BE49-F238E27FC236}">
+                  <a16:creationId xmlns:a16="http://schemas.microsoft.com/office/drawing/2014/main" id="{3AD1911C-70F5-31C6-EFDD-80098E4E9E15}"/>
+                </a:ext>
+              </a:extLst>
+            </p:cNvPr>
+            <p:cNvSpPr txBox="1"/>
+            <p:nvPr/>
+          </p:nvSpPr>
+          <p:spPr>
+            <a:xfrm>
+              <a:off x="33012347" y="4608616"/>
+              <a:ext cx="3891288" cy="1754326"/>
+            </a:xfrm>
+            <a:prstGeom prst="rect">
+              <a:avLst/>
+            </a:prstGeom>
+            <a:noFill/>
+          </p:spPr>
+          <p:txBody>
+            <a:bodyPr wrap="square">
+              <a:spAutoFit/>
+            </a:bodyPr>
+            <a:lstStyle>
+              <a:defPPr>
+                <a:defRPr lang="en-US"/>
+              </a:defPPr>
+              <a:lvl1pPr>
+                <a:defRPr sz="5400" b="1"/>
+              </a:lvl1pPr>
+            </a:lstStyle>
+            <a:p>
+              <a:pPr algn="ctr"/>
+              <a:r>
+                <a:rPr lang="en-US" dirty="0"/>
+                <a:t>Vector </a:t>
+              </a:r>
+              <a:r>
+                <a:rPr lang="en-US" dirty="0" err="1"/>
+                <a:t>ChromaDB</a:t>
+              </a:r>
+              <a:endParaRPr lang="en-US" dirty="0"/>
+            </a:p>
+          </p:txBody>
+        </p:sp>
+      </p:grpSp>
+      <p:grpSp>
+        <p:nvGrpSpPr>
+          <p:cNvPr id="1045" name="Group 1044">
+            <a:extLst>
+              <a:ext uri="{FF2B5EF4-FFF2-40B4-BE49-F238E27FC236}">
+                <a16:creationId xmlns:a16="http://schemas.microsoft.com/office/drawing/2014/main" id="{8BEF1CC9-9899-56F3-0E76-CBB2EC402298}"/>
+              </a:ext>
+            </a:extLst>
+          </p:cNvPr>
+          <p:cNvGrpSpPr/>
+          <p:nvPr/>
+        </p:nvGrpSpPr>
+        <p:grpSpPr>
+          <a:xfrm>
+            <a:off x="3955199" y="11647099"/>
+            <a:ext cx="2901306" cy="3662903"/>
+            <a:chOff x="-3100250" y="12031919"/>
+            <a:chExt cx="2901306" cy="3662903"/>
+          </a:xfrm>
+        </p:grpSpPr>
+        <p:pic>
+          <p:nvPicPr>
+            <p:cNvPr id="1046" name="Graphic 1045" descr="User with solid fill">
+              <a:extLst>
+                <a:ext uri="{FF2B5EF4-FFF2-40B4-BE49-F238E27FC236}">
+                  <a16:creationId xmlns:a16="http://schemas.microsoft.com/office/drawing/2014/main" id="{42F17F56-70BE-95FB-F3E8-4ACAB49D9B9C}"/>
+                </a:ext>
+              </a:extLst>
+            </p:cNvPr>
+            <p:cNvPicPr>
+              <a:picLocks noChangeAspect="1"/>
+            </p:cNvPicPr>
+            <p:nvPr/>
+          </p:nvPicPr>
+          <p:blipFill>
+            <a:blip r:embed="rId7">
+              <a:extLst>
+                <a:ext uri="{96DAC541-7B7A-43D3-8B79-37D633B846F1}">
+                  <asvg:svgBlip xmlns:asvg="http://schemas.microsoft.com/office/drawing/2016/SVG/main" r:embed="rId8"/>
+                </a:ext>
+              </a:extLst>
+            </a:blip>
+            <a:stretch>
+              <a:fillRect/>
+            </a:stretch>
+          </p:blipFill>
+          <p:spPr>
+            <a:xfrm>
+              <a:off x="-3100250" y="12031919"/>
+              <a:ext cx="2901306" cy="2901306"/>
+            </a:xfrm>
+            <a:prstGeom prst="rect">
+              <a:avLst/>
+            </a:prstGeom>
+          </p:spPr>
+        </p:pic>
+        <p:sp>
+          <p:nvSpPr>
+            <p:cNvPr id="1047" name="Rectangle 1046">
+              <a:extLst>
+                <a:ext uri="{FF2B5EF4-FFF2-40B4-BE49-F238E27FC236}">
+                  <a16:creationId xmlns:a16="http://schemas.microsoft.com/office/drawing/2014/main" id="{26400D4E-24A5-E6CA-28E5-0D392B95D833}"/>
+                </a:ext>
+              </a:extLst>
+            </p:cNvPr>
+            <p:cNvSpPr/>
+            <p:nvPr/>
+          </p:nvSpPr>
+          <p:spPr>
+            <a:xfrm>
+              <a:off x="-2438824" y="14771492"/>
+              <a:ext cx="1917513" cy="923330"/>
+            </a:xfrm>
+            <a:prstGeom prst="rect">
+              <a:avLst/>
+            </a:prstGeom>
+            <a:noFill/>
+          </p:spPr>
+          <p:txBody>
+            <a:bodyPr wrap="none" lIns="91440" tIns="45720" rIns="91440" bIns="45720">
+              <a:spAutoFit/>
+            </a:bodyPr>
+            <a:lstStyle/>
+            <a:p>
+              <a:pPr algn="ctr"/>
+              <a:r>
+                <a:rPr lang="en-GB" sz="5400" b="1" dirty="0">
+                  <a:ln w="0"/>
+                  <a:solidFill>
+                    <a:schemeClr val="tx2">
+                      <a:lumMod val="75000"/>
+                      <a:lumOff val="25000"/>
+                    </a:schemeClr>
+                  </a:solidFill>
+                  <a:effectLst>
+                    <a:reflection blurRad="6350" stA="53000" endA="300" endPos="35500" dir="5400000" sy="-90000" algn="bl" rotWithShape="0"/>
+                  </a:effectLst>
+                </a:rPr>
+                <a:t>USER</a:t>
+              </a:r>
+            </a:p>
+          </p:txBody>
+        </p:sp>
+      </p:grpSp>
+      <p:grpSp>
+        <p:nvGrpSpPr>
+          <p:cNvPr id="1060" name="Group 1059">
+            <a:extLst>
+              <a:ext uri="{FF2B5EF4-FFF2-40B4-BE49-F238E27FC236}">
+                <a16:creationId xmlns:a16="http://schemas.microsoft.com/office/drawing/2014/main" id="{C64B04C4-3244-F557-7F23-45FC304D7142}"/>
+              </a:ext>
+            </a:extLst>
+          </p:cNvPr>
+          <p:cNvGrpSpPr/>
+          <p:nvPr/>
+        </p:nvGrpSpPr>
+        <p:grpSpPr>
+          <a:xfrm>
+            <a:off x="21092170" y="10803541"/>
+            <a:ext cx="5925719" cy="3603166"/>
+            <a:chOff x="8258514" y="13525603"/>
+            <a:chExt cx="5925719" cy="3603166"/>
+          </a:xfrm>
+        </p:grpSpPr>
+        <p:pic>
+          <p:nvPicPr>
+            <p:cNvPr id="1048" name="Picture 6" descr="Gradio - Reviews, Pros &amp; Cons ...">
+              <a:extLst>
+                <a:ext uri="{FF2B5EF4-FFF2-40B4-BE49-F238E27FC236}">
+                  <a16:creationId xmlns:a16="http://schemas.microsoft.com/office/drawing/2014/main" id="{A15118BD-E391-967A-1FED-A37392C93E87}"/>
+                </a:ext>
+              </a:extLst>
+            </p:cNvPr>
+            <p:cNvPicPr>
+              <a:picLocks noChangeAspect="1" noChangeArrowheads="1"/>
+            </p:cNvPicPr>
+            <p:nvPr/>
+          </p:nvPicPr>
+          <p:blipFill rotWithShape="1">
+            <a:blip r:embed="rId9">
+              <a:extLst>
+                <a:ext uri="{28A0092B-C50C-407E-A947-70E740481C1C}">
+                  <a14:useLocalDpi xmlns:a14="http://schemas.microsoft.com/office/drawing/2010/main" val="0"/>
+                </a:ext>
+              </a:extLst>
+            </a:blip>
+            <a:srcRect l="19332" t="15715" r="19844" b="14564"/>
+            <a:stretch/>
+          </p:blipFill>
+          <p:spPr bwMode="auto">
+            <a:xfrm>
+              <a:off x="9172717" y="13557930"/>
+              <a:ext cx="1764720" cy="2022858"/>
+            </a:xfrm>
+            <a:prstGeom prst="rect">
+              <a:avLst/>
+            </a:prstGeom>
+            <a:noFill/>
+            <a:extLst>
+              <a:ext uri="{909E8E84-426E-40DD-AFC4-6F175D3DCCD1}">
+                <a14:hiddenFill xmlns:a14="http://schemas.microsoft.com/office/drawing/2010/main">
+                  <a:solidFill>
+                    <a:srgbClr val="FFFFFF"/>
+                  </a:solidFill>
+                </a14:hiddenFill>
+              </a:ext>
+            </a:extLst>
+          </p:spPr>
+        </p:pic>
+        <p:pic>
+          <p:nvPicPr>
+            <p:cNvPr id="1049" name="Picture 8" descr="Python Programming Language icon PNG and SVG Vector Free Download">
+              <a:extLst>
+                <a:ext uri="{FF2B5EF4-FFF2-40B4-BE49-F238E27FC236}">
+                  <a16:creationId xmlns:a16="http://schemas.microsoft.com/office/drawing/2014/main" id="{C8016ABA-1E25-D20F-F12F-62806FCD1F27}"/>
+                </a:ext>
+              </a:extLst>
+            </p:cNvPr>
+            <p:cNvPicPr>
+              <a:picLocks noChangeAspect="1" noChangeArrowheads="1"/>
+            </p:cNvPicPr>
+            <p:nvPr/>
+          </p:nvPicPr>
+          <p:blipFill>
+            <a:blip r:embed="rId10">
+              <a:extLst>
+                <a:ext uri="{28A0092B-C50C-407E-A947-70E740481C1C}">
+                  <a14:useLocalDpi xmlns:a14="http://schemas.microsoft.com/office/drawing/2010/main" val="0"/>
+                </a:ext>
+              </a:extLst>
+            </a:blip>
+            <a:srcRect/>
+            <a:stretch>
+              <a:fillRect/>
+            </a:stretch>
+          </p:blipFill>
+          <p:spPr bwMode="auto">
+            <a:xfrm>
+              <a:off x="11221374" y="13525603"/>
+              <a:ext cx="2078234" cy="2087512"/>
+            </a:xfrm>
+            <a:prstGeom prst="rect">
+              <a:avLst/>
+            </a:prstGeom>
+            <a:noFill/>
+            <a:extLst>
+              <a:ext uri="{909E8E84-426E-40DD-AFC4-6F175D3DCCD1}">
+                <a14:hiddenFill xmlns:a14="http://schemas.microsoft.com/office/drawing/2010/main">
+                  <a:solidFill>
+                    <a:srgbClr val="FFFFFF"/>
+                  </a:solidFill>
+                </a14:hiddenFill>
+              </a:ext>
+            </a:extLst>
+          </p:spPr>
+        </p:pic>
+        <p:sp>
+          <p:nvSpPr>
+            <p:cNvPr id="1050" name="TextBox 1049">
+              <a:extLst>
+                <a:ext uri="{FF2B5EF4-FFF2-40B4-BE49-F238E27FC236}">
+                  <a16:creationId xmlns:a16="http://schemas.microsoft.com/office/drawing/2014/main" id="{CDDDE87E-1FD2-0B78-6483-7D8F62C93F55}"/>
+                </a:ext>
+              </a:extLst>
+            </p:cNvPr>
+            <p:cNvSpPr txBox="1"/>
+            <p:nvPr/>
+          </p:nvSpPr>
+          <p:spPr>
+            <a:xfrm>
+              <a:off x="8258514" y="16205439"/>
+              <a:ext cx="5925719" cy="923330"/>
+            </a:xfrm>
+            <a:prstGeom prst="rect">
+              <a:avLst/>
+            </a:prstGeom>
+            <a:noFill/>
+          </p:spPr>
+          <p:txBody>
+            <a:bodyPr wrap="square">
+              <a:spAutoFit/>
+            </a:bodyPr>
+            <a:lstStyle>
+              <a:defPPr>
+                <a:defRPr lang="en-US"/>
+              </a:defPPr>
+              <a:lvl1pPr>
+                <a:defRPr sz="3200" b="1"/>
+              </a:lvl1pPr>
+            </a:lstStyle>
+            <a:p>
+              <a:pPr algn="ctr"/>
+              <a:r>
+                <a:rPr lang="en-HK" sz="5400" dirty="0" err="1"/>
+                <a:t>Gradio</a:t>
+              </a:r>
+              <a:r>
+                <a:rPr lang="en-HK" sz="5400" dirty="0"/>
+                <a:t> + Python </a:t>
+              </a:r>
+            </a:p>
+          </p:txBody>
+        </p:sp>
+      </p:grpSp>
+      <p:grpSp>
+        <p:nvGrpSpPr>
+          <p:cNvPr id="1051" name="Group 1050">
+            <a:extLst>
+              <a:ext uri="{FF2B5EF4-FFF2-40B4-BE49-F238E27FC236}">
+                <a16:creationId xmlns:a16="http://schemas.microsoft.com/office/drawing/2014/main" id="{B4B0561B-DE5A-017B-726F-2D16FABB1AD0}"/>
+              </a:ext>
+            </a:extLst>
+          </p:cNvPr>
+          <p:cNvGrpSpPr/>
+          <p:nvPr/>
+        </p:nvGrpSpPr>
+        <p:grpSpPr>
+          <a:xfrm>
+            <a:off x="34920861" y="11941545"/>
+            <a:ext cx="4837413" cy="1872838"/>
+            <a:chOff x="10073785" y="9632594"/>
+            <a:chExt cx="4837413" cy="1872838"/>
+          </a:xfrm>
+        </p:grpSpPr>
+        <p:grpSp>
+          <p:nvGrpSpPr>
+            <p:cNvPr id="1052" name="Group 1051">
+              <a:extLst>
+                <a:ext uri="{FF2B5EF4-FFF2-40B4-BE49-F238E27FC236}">
+                  <a16:creationId xmlns:a16="http://schemas.microsoft.com/office/drawing/2014/main" id="{82B5F3D4-BE24-77EB-E9C8-875E21C7225D}"/>
+                </a:ext>
+              </a:extLst>
+            </p:cNvPr>
+            <p:cNvGrpSpPr/>
+            <p:nvPr/>
+          </p:nvGrpSpPr>
+          <p:grpSpPr>
+            <a:xfrm>
+              <a:off x="10073785" y="9632594"/>
+              <a:ext cx="4837413" cy="923164"/>
+              <a:chOff x="9516532" y="9414933"/>
+              <a:chExt cx="4837413" cy="923164"/>
+            </a:xfrm>
+          </p:grpSpPr>
+          <p:sp>
+            <p:nvSpPr>
+              <p:cNvPr id="1054" name="Rectangle 1053">
+                <a:extLst>
+                  <a:ext uri="{FF2B5EF4-FFF2-40B4-BE49-F238E27FC236}">
+                    <a16:creationId xmlns:a16="http://schemas.microsoft.com/office/drawing/2014/main" id="{000C0D37-8AC6-E579-0EC8-727D686F4BAC}"/>
+                  </a:ext>
+                </a:extLst>
+              </p:cNvPr>
+              <p:cNvSpPr/>
+              <p:nvPr/>
+            </p:nvSpPr>
+            <p:spPr>
+              <a:xfrm>
+                <a:off x="9516532" y="9414933"/>
+                <a:ext cx="1151467" cy="923164"/>
+              </a:xfrm>
+              <a:prstGeom prst="rect">
+                <a:avLst/>
+              </a:prstGeom>
+              <a:solidFill>
+                <a:schemeClr val="bg1"/>
+              </a:solidFill>
+              <a:ln w="34925">
+                <a:solidFill>
+                  <a:srgbClr val="00B0F0"/>
+                </a:solidFill>
+              </a:ln>
+            </p:spPr>
+            <p:style>
+              <a:lnRef idx="2">
+                <a:schemeClr val="accent1">
+                  <a:shade val="15000"/>
+                </a:schemeClr>
+              </a:lnRef>
+              <a:fillRef idx="1">
+                <a:schemeClr val="accent1"/>
+              </a:fillRef>
+              <a:effectRef idx="0">
+                <a:schemeClr val="accent1"/>
+              </a:effectRef>
+              <a:fontRef idx="minor">
+                <a:schemeClr val="lt1"/>
+              </a:fontRef>
+            </p:style>
+            <p:txBody>
+              <a:bodyPr rtlCol="0" anchor="ctr"/>
+              <a:lstStyle/>
+              <a:p>
+                <a:pPr algn="ctr"/>
+                <a:endParaRPr lang="en-US"/>
+              </a:p>
+            </p:txBody>
+          </p:sp>
+          <p:sp>
+            <p:nvSpPr>
+              <p:cNvPr id="1055" name="Rectangle 1054">
+                <a:extLst>
+                  <a:ext uri="{FF2B5EF4-FFF2-40B4-BE49-F238E27FC236}">
+                    <a16:creationId xmlns:a16="http://schemas.microsoft.com/office/drawing/2014/main" id="{16163229-0096-51A1-81CC-BB733F57C077}"/>
+                  </a:ext>
+                </a:extLst>
+              </p:cNvPr>
+              <p:cNvSpPr/>
+              <p:nvPr/>
+            </p:nvSpPr>
+            <p:spPr>
+              <a:xfrm>
+                <a:off x="10420559" y="9414933"/>
+                <a:ext cx="1151467" cy="923164"/>
+              </a:xfrm>
+              <a:prstGeom prst="rect">
+                <a:avLst/>
+              </a:prstGeom>
+              <a:solidFill>
+                <a:schemeClr val="bg1">
+                  <a:alpha val="42000"/>
+                </a:schemeClr>
+              </a:solidFill>
+              <a:ln w="34925">
+                <a:solidFill>
+                  <a:srgbClr val="C00000"/>
+                </a:solidFill>
+              </a:ln>
+            </p:spPr>
+            <p:style>
+              <a:lnRef idx="2">
+                <a:schemeClr val="accent1">
+                  <a:shade val="15000"/>
+                </a:schemeClr>
+              </a:lnRef>
+              <a:fillRef idx="1">
+                <a:schemeClr val="accent1"/>
+              </a:fillRef>
+              <a:effectRef idx="0">
+                <a:schemeClr val="accent1"/>
+              </a:effectRef>
+              <a:fontRef idx="minor">
+                <a:schemeClr val="lt1"/>
+              </a:fontRef>
+            </p:style>
+            <p:txBody>
+              <a:bodyPr rtlCol="0" anchor="ctr"/>
+              <a:lstStyle/>
+              <a:p>
+                <a:pPr algn="ctr"/>
+                <a:endParaRPr lang="en-US"/>
+              </a:p>
+            </p:txBody>
+          </p:sp>
+          <p:sp>
+            <p:nvSpPr>
+              <p:cNvPr id="1056" name="Rectangle 1055">
+                <a:extLst>
+                  <a:ext uri="{FF2B5EF4-FFF2-40B4-BE49-F238E27FC236}">
+                    <a16:creationId xmlns:a16="http://schemas.microsoft.com/office/drawing/2014/main" id="{3F6BF4B9-F279-D9D9-2446-EA906A71E354}"/>
+                  </a:ext>
+                </a:extLst>
+              </p:cNvPr>
+              <p:cNvSpPr/>
+              <p:nvPr/>
+            </p:nvSpPr>
+            <p:spPr>
+              <a:xfrm>
+                <a:off x="11359505" y="9414933"/>
+                <a:ext cx="1151467" cy="923164"/>
+              </a:xfrm>
+              <a:prstGeom prst="rect">
+                <a:avLst/>
+              </a:prstGeom>
+              <a:solidFill>
+                <a:schemeClr val="bg1">
+                  <a:alpha val="42000"/>
+                </a:schemeClr>
+              </a:solidFill>
+              <a:ln w="34925">
+                <a:solidFill>
+                  <a:schemeClr val="accent1">
+                    <a:lumMod val="50000"/>
+                  </a:schemeClr>
+                </a:solidFill>
+              </a:ln>
+            </p:spPr>
+            <p:style>
+              <a:lnRef idx="2">
+                <a:schemeClr val="accent1">
+                  <a:shade val="15000"/>
+                </a:schemeClr>
+              </a:lnRef>
+              <a:fillRef idx="1">
+                <a:schemeClr val="accent1"/>
+              </a:fillRef>
+              <a:effectRef idx="0">
+                <a:schemeClr val="accent1"/>
+              </a:effectRef>
+              <a:fontRef idx="minor">
+                <a:schemeClr val="lt1"/>
+              </a:fontRef>
+            </p:style>
+            <p:txBody>
+              <a:bodyPr rtlCol="0" anchor="ctr"/>
+              <a:lstStyle/>
+              <a:p>
+                <a:pPr algn="ctr"/>
+                <a:endParaRPr lang="en-US"/>
+              </a:p>
+            </p:txBody>
+          </p:sp>
+          <p:sp>
+            <p:nvSpPr>
+              <p:cNvPr id="1057" name="Rectangle 1056">
+                <a:extLst>
+                  <a:ext uri="{FF2B5EF4-FFF2-40B4-BE49-F238E27FC236}">
+                    <a16:creationId xmlns:a16="http://schemas.microsoft.com/office/drawing/2014/main" id="{D096031C-AE75-FA9B-9B42-2B1B0F948E85}"/>
+                  </a:ext>
+                </a:extLst>
+              </p:cNvPr>
+              <p:cNvSpPr/>
+              <p:nvPr/>
+            </p:nvSpPr>
+            <p:spPr>
+              <a:xfrm>
+                <a:off x="12263532" y="9414933"/>
+                <a:ext cx="1151467" cy="923164"/>
+              </a:xfrm>
+              <a:prstGeom prst="rect">
+                <a:avLst/>
+              </a:prstGeom>
+              <a:solidFill>
+                <a:schemeClr val="bg1">
+                  <a:alpha val="42000"/>
+                </a:schemeClr>
+              </a:solidFill>
+              <a:ln w="34925">
+                <a:solidFill>
+                  <a:schemeClr val="accent2">
+                    <a:lumMod val="75000"/>
+                  </a:schemeClr>
+                </a:solidFill>
+              </a:ln>
+            </p:spPr>
+            <p:style>
+              <a:lnRef idx="2">
+                <a:schemeClr val="accent1">
+                  <a:shade val="15000"/>
+                </a:schemeClr>
+              </a:lnRef>
+              <a:fillRef idx="1">
+                <a:schemeClr val="accent1"/>
+              </a:fillRef>
+              <a:effectRef idx="0">
+                <a:schemeClr val="accent1"/>
+              </a:effectRef>
+              <a:fontRef idx="minor">
+                <a:schemeClr val="lt1"/>
+              </a:fontRef>
+            </p:style>
+            <p:txBody>
+              <a:bodyPr rtlCol="0" anchor="ctr"/>
+              <a:lstStyle/>
+              <a:p>
+                <a:pPr algn="ctr"/>
+                <a:endParaRPr lang="en-US"/>
+              </a:p>
+            </p:txBody>
+          </p:sp>
+          <p:sp>
+            <p:nvSpPr>
+              <p:cNvPr id="1058" name="Rectangle 1057">
+                <a:extLst>
+                  <a:ext uri="{FF2B5EF4-FFF2-40B4-BE49-F238E27FC236}">
+                    <a16:creationId xmlns:a16="http://schemas.microsoft.com/office/drawing/2014/main" id="{1C498CE2-9186-10B4-E55D-A9FB7F7CF8D1}"/>
+                  </a:ext>
+                </a:extLst>
+              </p:cNvPr>
+              <p:cNvSpPr/>
+              <p:nvPr/>
+            </p:nvSpPr>
+            <p:spPr>
+              <a:xfrm>
+                <a:off x="13202478" y="9414933"/>
+                <a:ext cx="1151467" cy="923164"/>
+              </a:xfrm>
+              <a:prstGeom prst="rect">
+                <a:avLst/>
+              </a:prstGeom>
+              <a:solidFill>
+                <a:schemeClr val="bg1">
+                  <a:alpha val="42000"/>
+                </a:schemeClr>
+              </a:solidFill>
+              <a:ln w="34925">
+                <a:solidFill>
+                  <a:schemeClr val="tx2">
+                    <a:lumMod val="75000"/>
+                    <a:lumOff val="25000"/>
+                  </a:schemeClr>
+                </a:solidFill>
+              </a:ln>
+            </p:spPr>
+            <p:style>
+              <a:lnRef idx="2">
+                <a:schemeClr val="accent1">
+                  <a:shade val="15000"/>
+                </a:schemeClr>
+              </a:lnRef>
+              <a:fillRef idx="1">
+                <a:schemeClr val="accent1"/>
+              </a:fillRef>
+              <a:effectRef idx="0">
+                <a:schemeClr val="accent1"/>
+              </a:effectRef>
+              <a:fontRef idx="minor">
+                <a:schemeClr val="lt1"/>
+              </a:fontRef>
+            </p:style>
+            <p:txBody>
+              <a:bodyPr rtlCol="0" anchor="ctr"/>
+              <a:lstStyle/>
+              <a:p>
+                <a:pPr algn="ctr"/>
+                <a:endParaRPr lang="en-US"/>
+              </a:p>
+            </p:txBody>
+          </p:sp>
+        </p:grpSp>
+        <p:sp>
+          <p:nvSpPr>
+            <p:cNvPr id="1053" name="Rectangle 1052">
+              <a:extLst>
+                <a:ext uri="{FF2B5EF4-FFF2-40B4-BE49-F238E27FC236}">
+                  <a16:creationId xmlns:a16="http://schemas.microsoft.com/office/drawing/2014/main" id="{295BA00C-1763-4C9A-C1BB-A4E6530A7BA2}"/>
+                </a:ext>
+              </a:extLst>
+            </p:cNvPr>
+            <p:cNvSpPr/>
+            <p:nvPr/>
+          </p:nvSpPr>
+          <p:spPr>
+            <a:xfrm>
+              <a:off x="11193607" y="10582102"/>
+              <a:ext cx="2597442" cy="923330"/>
+            </a:xfrm>
+            <a:prstGeom prst="rect">
+              <a:avLst/>
+            </a:prstGeom>
+            <a:noFill/>
+          </p:spPr>
+          <p:txBody>
+            <a:bodyPr wrap="none" lIns="91440" tIns="45720" rIns="91440" bIns="45720">
+              <a:spAutoFit/>
+            </a:bodyPr>
+            <a:lstStyle/>
+            <a:p>
+              <a:pPr algn="ctr"/>
+              <a:r>
+                <a:rPr lang="en-GB" sz="5400" b="1" dirty="0">
+                  <a:ln w="0"/>
+                  <a:effectLst>
+                    <a:reflection blurRad="6350" stA="53000" endA="300" endPos="35500" dir="5400000" sy="-90000" algn="bl" rotWithShape="0"/>
+                  </a:effectLst>
+                </a:rPr>
+                <a:t>Chunks</a:t>
+              </a:r>
+            </a:p>
+          </p:txBody>
+        </p:sp>
+      </p:grpSp>
+      <p:pic>
+        <p:nvPicPr>
+          <p:cNvPr id="1059" name="Picture 10" descr="カラフルなLLMのアイコン">
+            <a:extLst>
+              <a:ext uri="{FF2B5EF4-FFF2-40B4-BE49-F238E27FC236}">
+                <a16:creationId xmlns:a16="http://schemas.microsoft.com/office/drawing/2014/main" id="{66CCF57F-EFB3-4B5B-C849-ECD124820BA8}"/>
+              </a:ext>
+            </a:extLst>
+          </p:cNvPr>
+          <p:cNvPicPr>
+            <a:picLocks noChangeAspect="1" noChangeArrowheads="1"/>
+          </p:cNvPicPr>
+          <p:nvPr/>
+        </p:nvPicPr>
+        <p:blipFill>
+          <a:blip r:embed="rId11">
+            <a:extLst>
+              <a:ext uri="{28A0092B-C50C-407E-A947-70E740481C1C}">
+                <a14:useLocalDpi xmlns:a14="http://schemas.microsoft.com/office/drawing/2010/main" val="0"/>
+              </a:ext>
+            </a:extLst>
+          </a:blip>
+          <a:srcRect/>
+          <a:stretch>
+            <a:fillRect/>
+          </a:stretch>
+        </p:blipFill>
+        <p:spPr bwMode="auto">
+          <a:xfrm>
+            <a:off x="28774679" y="14591214"/>
+            <a:ext cx="3048000" cy="3048000"/>
+          </a:xfrm>
+          <a:prstGeom prst="rect">
+            <a:avLst/>
+          </a:prstGeom>
+          <a:noFill/>
+          <a:extLst>
+            <a:ext uri="{909E8E84-426E-40DD-AFC4-6F175D3DCCD1}">
+              <a14:hiddenFill xmlns:a14="http://schemas.microsoft.com/office/drawing/2010/main">
+                <a:solidFill>
+                  <a:srgbClr val="FFFFFF"/>
+                </a:solidFill>
+              </a14:hiddenFill>
+            </a:ext>
+          </a:extLst>
+        </p:spPr>
+      </p:pic>
+      <p:cxnSp>
+        <p:nvCxnSpPr>
+          <p:cNvPr id="1096" name="Curved Connector 1095">
+            <a:extLst>
+              <a:ext uri="{FF2B5EF4-FFF2-40B4-BE49-F238E27FC236}">
+                <a16:creationId xmlns:a16="http://schemas.microsoft.com/office/drawing/2014/main" id="{13C74E75-489C-85D2-031C-89CC7C85454B}"/>
+              </a:ext>
+            </a:extLst>
+          </p:cNvPr>
+          <p:cNvCxnSpPr/>
+          <p:nvPr/>
+        </p:nvCxnSpPr>
+        <p:spPr>
+          <a:xfrm flipV="1">
+            <a:off x="16046235" y="3015168"/>
+            <a:ext cx="5972529" cy="3230814"/>
+          </a:xfrm>
+          <a:prstGeom prst="curvedConnector3">
+            <a:avLst/>
+          </a:prstGeom>
+          <a:ln w="53975">
+            <a:tailEnd type="arrow"/>
+          </a:ln>
+        </p:spPr>
+        <p:style>
+          <a:lnRef idx="2">
+            <a:schemeClr val="dk1"/>
+          </a:lnRef>
+          <a:fillRef idx="0">
+            <a:schemeClr val="dk1"/>
+          </a:fillRef>
+          <a:effectRef idx="1">
+            <a:schemeClr val="dk1"/>
+          </a:effectRef>
+          <a:fontRef idx="minor">
+            <a:schemeClr val="tx1"/>
+          </a:fontRef>
+        </p:style>
+      </p:cxnSp>
+      <p:cxnSp>
+        <p:nvCxnSpPr>
+          <p:cNvPr id="1098" name="Curved Connector 1097">
+            <a:extLst>
+              <a:ext uri="{FF2B5EF4-FFF2-40B4-BE49-F238E27FC236}">
+                <a16:creationId xmlns:a16="http://schemas.microsoft.com/office/drawing/2014/main" id="{4CB42FA6-C4B9-AA09-647C-15754188E8A5}"/>
+              </a:ext>
+            </a:extLst>
+          </p:cNvPr>
+          <p:cNvCxnSpPr>
+            <a:stCxn id="1032" idx="3"/>
+            <a:endCxn id="1041" idx="3"/>
+          </p:cNvCxnSpPr>
+          <p:nvPr/>
+        </p:nvCxnSpPr>
+        <p:spPr>
+          <a:xfrm flipH="1">
+            <a:off x="35290028" y="2771328"/>
+            <a:ext cx="1517360" cy="3902711"/>
+          </a:xfrm>
+          <a:prstGeom prst="curvedConnector3">
+            <a:avLst>
+              <a:gd name="adj1" fmla="val -15066"/>
+            </a:avLst>
+          </a:prstGeom>
+          <a:ln w="53975">
+            <a:tailEnd type="arrow"/>
+          </a:ln>
+        </p:spPr>
+        <p:style>
+          <a:lnRef idx="2">
+            <a:schemeClr val="dk1"/>
+          </a:lnRef>
+          <a:fillRef idx="0">
+            <a:schemeClr val="dk1"/>
+          </a:fillRef>
+          <a:effectRef idx="1">
+            <a:schemeClr val="dk1"/>
+          </a:effectRef>
+          <a:fontRef idx="minor">
+            <a:schemeClr val="tx1"/>
+          </a:fontRef>
+        </p:style>
+      </p:cxnSp>
+      <p:cxnSp>
+        <p:nvCxnSpPr>
+          <p:cNvPr id="1100" name="Curved Connector 1099">
+            <a:extLst>
+              <a:ext uri="{FF2B5EF4-FFF2-40B4-BE49-F238E27FC236}">
+                <a16:creationId xmlns:a16="http://schemas.microsoft.com/office/drawing/2014/main" id="{D4645011-1537-2D69-784E-F60B73FA0684}"/>
+              </a:ext>
+            </a:extLst>
+          </p:cNvPr>
+          <p:cNvCxnSpPr>
+            <a:cxnSpLocks/>
+            <a:stCxn id="1041" idx="1"/>
+            <a:endCxn id="1049" idx="3"/>
+          </p:cNvCxnSpPr>
+          <p:nvPr/>
+        </p:nvCxnSpPr>
+        <p:spPr>
+          <a:xfrm rot="10800000" flipV="1">
+            <a:off x="26133264" y="6674039"/>
+            <a:ext cx="6223064" cy="5173258"/>
+          </a:xfrm>
+          <a:prstGeom prst="curvedConnector3">
+            <a:avLst>
+              <a:gd name="adj1" fmla="val 50000"/>
+            </a:avLst>
+          </a:prstGeom>
+          <a:ln w="53975">
+            <a:tailEnd type="arrow"/>
+          </a:ln>
+        </p:spPr>
+        <p:style>
+          <a:lnRef idx="2">
+            <a:schemeClr val="dk1"/>
+          </a:lnRef>
+          <a:fillRef idx="0">
+            <a:schemeClr val="dk1"/>
+          </a:fillRef>
+          <a:effectRef idx="1">
+            <a:schemeClr val="dk1"/>
+          </a:effectRef>
+          <a:fontRef idx="minor">
+            <a:schemeClr val="tx1"/>
+          </a:fontRef>
+        </p:style>
+      </p:cxnSp>
+      <p:cxnSp>
+        <p:nvCxnSpPr>
+          <p:cNvPr id="1105" name="Curved Connector 1104">
+            <a:extLst>
+              <a:ext uri="{FF2B5EF4-FFF2-40B4-BE49-F238E27FC236}">
+                <a16:creationId xmlns:a16="http://schemas.microsoft.com/office/drawing/2014/main" id="{7021499E-668F-B2C2-DF1C-3AAACC9A2E9C}"/>
+              </a:ext>
+            </a:extLst>
+          </p:cNvPr>
+          <p:cNvCxnSpPr>
+            <a:cxnSpLocks/>
+            <a:stCxn id="1042" idx="2"/>
+            <a:endCxn id="1056" idx="0"/>
+          </p:cNvCxnSpPr>
+          <p:nvPr/>
+        </p:nvCxnSpPr>
+        <p:spPr>
+          <a:xfrm rot="16200000" flipH="1">
+            <a:off x="34192491" y="8794468"/>
+            <a:ext cx="2675092" cy="3619061"/>
+          </a:xfrm>
+          <a:prstGeom prst="curvedConnector3">
+            <a:avLst>
+              <a:gd name="adj1" fmla="val 50000"/>
+            </a:avLst>
+          </a:prstGeom>
+          <a:ln w="53975">
+            <a:tailEnd type="arrow"/>
+          </a:ln>
+        </p:spPr>
+        <p:style>
+          <a:lnRef idx="2">
+            <a:schemeClr val="dk1"/>
+          </a:lnRef>
+          <a:fillRef idx="0">
+            <a:schemeClr val="dk1"/>
+          </a:fillRef>
+          <a:effectRef idx="1">
+            <a:schemeClr val="dk1"/>
+          </a:effectRef>
+          <a:fontRef idx="minor">
+            <a:schemeClr val="tx1"/>
+          </a:fontRef>
+        </p:style>
+      </p:cxnSp>
+      <p:cxnSp>
+        <p:nvCxnSpPr>
+          <p:cNvPr id="1108" name="Curved Connector 1107">
+            <a:extLst>
+              <a:ext uri="{FF2B5EF4-FFF2-40B4-BE49-F238E27FC236}">
+                <a16:creationId xmlns:a16="http://schemas.microsoft.com/office/drawing/2014/main" id="{E55E6FE4-0498-4A68-6BD5-ABDE609DB889}"/>
+              </a:ext>
+            </a:extLst>
+          </p:cNvPr>
+          <p:cNvCxnSpPr>
+            <a:cxnSpLocks/>
+          </p:cNvCxnSpPr>
+          <p:nvPr/>
+        </p:nvCxnSpPr>
+        <p:spPr>
+          <a:xfrm rot="10800000" flipV="1">
+            <a:off x="31662156" y="13840727"/>
+            <a:ext cx="5677412" cy="2353078"/>
+          </a:xfrm>
+          <a:prstGeom prst="curvedConnector3">
+            <a:avLst>
+              <a:gd name="adj1" fmla="val -176"/>
+            </a:avLst>
+          </a:prstGeom>
+          <a:ln w="53975">
+            <a:tailEnd type="arrow"/>
+          </a:ln>
+        </p:spPr>
+        <p:style>
+          <a:lnRef idx="2">
+            <a:schemeClr val="dk1"/>
+          </a:lnRef>
+          <a:fillRef idx="0">
+            <a:schemeClr val="dk1"/>
+          </a:fillRef>
+          <a:effectRef idx="1">
+            <a:schemeClr val="dk1"/>
+          </a:effectRef>
+          <a:fontRef idx="minor">
+            <a:schemeClr val="tx1"/>
+          </a:fontRef>
+        </p:style>
+      </p:cxnSp>
+      <p:cxnSp>
+        <p:nvCxnSpPr>
+          <p:cNvPr id="1112" name="Curved Connector 1111">
+            <a:extLst>
+              <a:ext uri="{FF2B5EF4-FFF2-40B4-BE49-F238E27FC236}">
+                <a16:creationId xmlns:a16="http://schemas.microsoft.com/office/drawing/2014/main" id="{733DE5E9-21FF-B242-1BCE-559FB41D2D41}"/>
+              </a:ext>
+            </a:extLst>
+          </p:cNvPr>
+          <p:cNvCxnSpPr>
+            <a:cxnSpLocks/>
+            <a:endCxn id="1047" idx="2"/>
+          </p:cNvCxnSpPr>
+          <p:nvPr/>
+        </p:nvCxnSpPr>
+        <p:spPr>
+          <a:xfrm rot="10800000">
+            <a:off x="5575383" y="15310003"/>
+            <a:ext cx="23199297" cy="805211"/>
+          </a:xfrm>
+          <a:prstGeom prst="curvedConnector2">
+            <a:avLst/>
+          </a:prstGeom>
+          <a:ln w="53975">
+            <a:tailEnd type="arrow"/>
+          </a:ln>
+        </p:spPr>
+        <p:style>
+          <a:lnRef idx="2">
+            <a:schemeClr val="dk1"/>
+          </a:lnRef>
+          <a:fillRef idx="0">
+            <a:schemeClr val="dk1"/>
+          </a:fillRef>
+          <a:effectRef idx="1">
+            <a:schemeClr val="dk1"/>
+          </a:effectRef>
+          <a:fontRef idx="minor">
+            <a:schemeClr val="tx1"/>
+          </a:fontRef>
+        </p:style>
+      </p:cxnSp>
+      <p:cxnSp>
+        <p:nvCxnSpPr>
+          <p:cNvPr id="1118" name="Curved Connector 1117">
+            <a:extLst>
+              <a:ext uri="{FF2B5EF4-FFF2-40B4-BE49-F238E27FC236}">
+                <a16:creationId xmlns:a16="http://schemas.microsoft.com/office/drawing/2014/main" id="{F47CF767-796E-C628-FADF-F59BADDB2F58}"/>
+              </a:ext>
+            </a:extLst>
+          </p:cNvPr>
+          <p:cNvCxnSpPr>
+            <a:cxnSpLocks/>
+          </p:cNvCxnSpPr>
+          <p:nvPr/>
+        </p:nvCxnSpPr>
+        <p:spPr>
+          <a:xfrm flipV="1">
+            <a:off x="26856177" y="2789448"/>
+            <a:ext cx="5113798" cy="26003"/>
+          </a:xfrm>
+          <a:prstGeom prst="curvedConnector3">
+            <a:avLst>
+              <a:gd name="adj1" fmla="val 50000"/>
+            </a:avLst>
+          </a:prstGeom>
+          <a:ln w="69850">
+            <a:solidFill>
+              <a:schemeClr val="tx1">
+                <a:lumMod val="75000"/>
+                <a:lumOff val="25000"/>
+              </a:schemeClr>
+            </a:solidFill>
+            <a:headEnd type="none"/>
+            <a:tailEnd type="arrow"/>
+          </a:ln>
+        </p:spPr>
+        <p:style>
+          <a:lnRef idx="2">
+            <a:schemeClr val="accent1"/>
+          </a:lnRef>
+          <a:fillRef idx="0">
+            <a:schemeClr val="accent1"/>
+          </a:fillRef>
+          <a:effectRef idx="1">
+            <a:schemeClr val="accent1"/>
+          </a:effectRef>
+          <a:fontRef idx="minor">
+            <a:schemeClr val="tx1"/>
+          </a:fontRef>
+        </p:style>
+      </p:cxnSp>
+      <p:cxnSp>
+        <p:nvCxnSpPr>
+          <p:cNvPr id="1122" name="Curved Connector 1121">
+            <a:extLst>
+              <a:ext uri="{FF2B5EF4-FFF2-40B4-BE49-F238E27FC236}">
+                <a16:creationId xmlns:a16="http://schemas.microsoft.com/office/drawing/2014/main" id="{CFE4B757-141A-31EA-AB31-56CA5688E3BA}"/>
+              </a:ext>
+            </a:extLst>
+          </p:cNvPr>
+          <p:cNvCxnSpPr>
+            <a:cxnSpLocks/>
+            <a:stCxn id="1047" idx="3"/>
+          </p:cNvCxnSpPr>
+          <p:nvPr/>
+        </p:nvCxnSpPr>
+        <p:spPr>
+          <a:xfrm flipV="1">
+            <a:off x="6534138" y="11887718"/>
+            <a:ext cx="15598492" cy="2960619"/>
+          </a:xfrm>
+          <a:prstGeom prst="curvedConnector3">
+            <a:avLst>
+              <a:gd name="adj1" fmla="val 50000"/>
+            </a:avLst>
+          </a:prstGeom>
+          <a:ln w="69850">
+            <a:solidFill>
+              <a:schemeClr val="tx1">
+                <a:lumMod val="75000"/>
+                <a:lumOff val="25000"/>
+              </a:schemeClr>
+            </a:solidFill>
+            <a:headEnd type="none"/>
+            <a:tailEnd type="arrow"/>
+          </a:ln>
+        </p:spPr>
+        <p:style>
+          <a:lnRef idx="2">
+            <a:schemeClr val="accent1"/>
+          </a:lnRef>
+          <a:fillRef idx="0">
+            <a:schemeClr val="accent1"/>
+          </a:fillRef>
+          <a:effectRef idx="1">
+            <a:schemeClr val="accent1"/>
+          </a:effectRef>
+          <a:fontRef idx="minor">
+            <a:schemeClr val="tx1"/>
+          </a:fontRef>
+        </p:style>
+      </p:cxnSp>
+      <p:sp>
+        <p:nvSpPr>
+          <p:cNvPr id="1127" name="TextBox 1126">
+            <a:extLst>
+              <a:ext uri="{FF2B5EF4-FFF2-40B4-BE49-F238E27FC236}">
+                <a16:creationId xmlns:a16="http://schemas.microsoft.com/office/drawing/2014/main" id="{598CE5F0-B42E-FFCA-1BC2-31629EE7FEBD}"/>
+              </a:ext>
+            </a:extLst>
+          </p:cNvPr>
+          <p:cNvSpPr txBox="1"/>
+          <p:nvPr/>
+        </p:nvSpPr>
+        <p:spPr>
+          <a:xfrm>
+            <a:off x="5886439" y="7889154"/>
+            <a:ext cx="3734469" cy="1200329"/>
+          </a:xfrm>
+          <a:prstGeom prst="rect">
+            <a:avLst/>
+          </a:prstGeom>
+          <a:blipFill>
+            <a:blip r:embed="rId4"/>
+            <a:tile tx="0" ty="0" sx="100000" sy="100000" flip="none" algn="tl"/>
+          </a:blipFill>
+        </p:spPr>
+        <p:txBody>
+          <a:bodyPr wrap="square" rtlCol="0">
+            <a:spAutoFit/>
+          </a:bodyPr>
+          <a:lstStyle/>
+          <a:p>
+            <a:r>
+              <a:rPr lang="en-US" sz="7200" dirty="0"/>
+              <a:t>Indexing</a:t>
+            </a:r>
+          </a:p>
+        </p:txBody>
+      </p:sp>
+      <p:sp>
+        <p:nvSpPr>
+          <p:cNvPr id="1129" name="Oval 1128">
+            <a:extLst>
+              <a:ext uri="{FF2B5EF4-FFF2-40B4-BE49-F238E27FC236}">
+                <a16:creationId xmlns:a16="http://schemas.microsoft.com/office/drawing/2014/main" id="{8613192B-583D-F037-D6C9-A547B6C0C7B8}"/>
+              </a:ext>
+            </a:extLst>
+          </p:cNvPr>
+          <p:cNvSpPr/>
+          <p:nvPr/>
+        </p:nvSpPr>
+        <p:spPr>
+          <a:xfrm>
+            <a:off x="6416013" y="14386672"/>
+            <a:ext cx="2442559" cy="977523"/>
+          </a:xfrm>
+          <a:prstGeom prst="ellipse">
+            <a:avLst/>
+          </a:prstGeom>
+          <a:solidFill>
+            <a:srgbClr val="C00000"/>
+          </a:solidFill>
+        </p:spPr>
+        <p:style>
+          <a:lnRef idx="2">
+            <a:schemeClr val="accent4">
+              <a:shade val="15000"/>
+            </a:schemeClr>
+          </a:lnRef>
+          <a:fillRef idx="1">
+            <a:schemeClr val="accent4"/>
+          </a:fillRef>
+          <a:effectRef idx="0">
+            <a:schemeClr val="accent4"/>
+          </a:effectRef>
+          <a:fontRef idx="minor">
+            <a:schemeClr val="lt1"/>
+          </a:fontRef>
+        </p:style>
+        <p:txBody>
+          <a:bodyPr rtlCol="0" anchor="ctr"/>
+          <a:lstStyle/>
+          <a:p>
+            <a:pPr algn="ctr"/>
+            <a:r>
+              <a:rPr lang="en-US" sz="3200" dirty="0"/>
+              <a:t>retriever</a:t>
+            </a:r>
+          </a:p>
+        </p:txBody>
+      </p:sp>
+      <p:sp>
+        <p:nvSpPr>
+          <p:cNvPr id="1130" name="TextBox 1129">
+            <a:extLst>
+              <a:ext uri="{FF2B5EF4-FFF2-40B4-BE49-F238E27FC236}">
+                <a16:creationId xmlns:a16="http://schemas.microsoft.com/office/drawing/2014/main" id="{0BD90610-5B73-0191-38C4-27C5CCF2F76A}"/>
+              </a:ext>
+            </a:extLst>
+          </p:cNvPr>
+          <p:cNvSpPr txBox="1"/>
+          <p:nvPr/>
+        </p:nvSpPr>
+        <p:spPr>
+          <a:xfrm>
+            <a:off x="12459391" y="16509928"/>
+            <a:ext cx="4520878" cy="1200329"/>
+          </a:xfrm>
+          <a:prstGeom prst="rect">
+            <a:avLst/>
+          </a:prstGeom>
+          <a:blipFill>
+            <a:blip r:embed="rId3"/>
+            <a:tile tx="0" ty="0" sx="100000" sy="100000" flip="none" algn="tl"/>
+          </a:blipFill>
+        </p:spPr>
+        <p:txBody>
+          <a:bodyPr wrap="square" rtlCol="0">
+            <a:spAutoFit/>
+          </a:bodyPr>
+          <a:lstStyle/>
+          <a:p>
+            <a:r>
+              <a:rPr lang="en-US" sz="7200" dirty="0"/>
+              <a:t>Querying</a:t>
+            </a:r>
+          </a:p>
+        </p:txBody>
+      </p:sp>
+      <p:sp>
+        <p:nvSpPr>
+          <p:cNvPr id="1132" name="Oval 1131">
+            <a:extLst>
+              <a:ext uri="{FF2B5EF4-FFF2-40B4-BE49-F238E27FC236}">
+                <a16:creationId xmlns:a16="http://schemas.microsoft.com/office/drawing/2014/main" id="{AA3070F9-FB02-ECFD-6F85-337CCACB94DD}"/>
+              </a:ext>
+            </a:extLst>
+          </p:cNvPr>
+          <p:cNvSpPr/>
+          <p:nvPr/>
+        </p:nvSpPr>
+        <p:spPr>
+          <a:xfrm>
+            <a:off x="36072328" y="13814383"/>
+            <a:ext cx="2442559" cy="977523"/>
+          </a:xfrm>
+          <a:prstGeom prst="ellipse">
+            <a:avLst/>
+          </a:prstGeom>
+          <a:solidFill>
+            <a:srgbClr val="C00000"/>
+          </a:solidFill>
+        </p:spPr>
+        <p:style>
+          <a:lnRef idx="2">
+            <a:schemeClr val="accent4">
+              <a:shade val="15000"/>
+            </a:schemeClr>
+          </a:lnRef>
+          <a:fillRef idx="1">
+            <a:schemeClr val="accent4"/>
+          </a:fillRef>
+          <a:effectRef idx="0">
+            <a:schemeClr val="accent4"/>
+          </a:effectRef>
+          <a:fontRef idx="minor">
+            <a:schemeClr val="lt1"/>
+          </a:fontRef>
+        </p:style>
+        <p:txBody>
+          <a:bodyPr rtlCol="0" anchor="ctr"/>
+          <a:lstStyle/>
+          <a:p>
+            <a:pPr algn="ctr"/>
+            <a:r>
+              <a:rPr lang="en-US" sz="3200" dirty="0"/>
+              <a:t>reader</a:t>
+            </a:r>
+          </a:p>
+        </p:txBody>
+      </p:sp>
+      <p:sp>
+        <p:nvSpPr>
+          <p:cNvPr id="1133" name="Oval 1132">
+            <a:extLst>
+              <a:ext uri="{FF2B5EF4-FFF2-40B4-BE49-F238E27FC236}">
+                <a16:creationId xmlns:a16="http://schemas.microsoft.com/office/drawing/2014/main" id="{59E7B01F-9EB9-A7A3-C4DB-C17784C46296}"/>
+              </a:ext>
+            </a:extLst>
+          </p:cNvPr>
+          <p:cNvSpPr/>
+          <p:nvPr/>
+        </p:nvSpPr>
+        <p:spPr>
+          <a:xfrm>
+            <a:off x="25766806" y="15720499"/>
+            <a:ext cx="3048000" cy="789429"/>
+          </a:xfrm>
+          <a:prstGeom prst="ellipse">
+            <a:avLst/>
+          </a:prstGeom>
+          <a:solidFill>
+            <a:schemeClr val="accent6">
+              <a:lumMod val="50000"/>
+            </a:schemeClr>
+          </a:solidFill>
+        </p:spPr>
+        <p:style>
+          <a:lnRef idx="2">
+            <a:schemeClr val="accent4">
+              <a:shade val="15000"/>
+            </a:schemeClr>
+          </a:lnRef>
+          <a:fillRef idx="1">
+            <a:schemeClr val="accent4"/>
+          </a:fillRef>
+          <a:effectRef idx="0">
+            <a:schemeClr val="accent4"/>
+          </a:effectRef>
+          <a:fontRef idx="minor">
+            <a:schemeClr val="lt1"/>
+          </a:fontRef>
+        </p:style>
+        <p:txBody>
+          <a:bodyPr rtlCol="0" anchor="ctr"/>
+          <a:lstStyle/>
+          <a:p>
+            <a:pPr algn="ctr"/>
+            <a:r>
+              <a:rPr lang="en-US" sz="3200" dirty="0"/>
+              <a:t>response</a:t>
+            </a:r>
+          </a:p>
+        </p:txBody>
+      </p:sp>
+      <p:sp>
+        <p:nvSpPr>
+          <p:cNvPr id="1134" name="Oval 1133">
+            <a:extLst>
+              <a:ext uri="{FF2B5EF4-FFF2-40B4-BE49-F238E27FC236}">
+                <a16:creationId xmlns:a16="http://schemas.microsoft.com/office/drawing/2014/main" id="{83D8AF81-7AAE-6E9A-F82E-10CECBDC3847}"/>
+              </a:ext>
+            </a:extLst>
+          </p:cNvPr>
+          <p:cNvSpPr/>
+          <p:nvPr/>
+        </p:nvSpPr>
+        <p:spPr>
+          <a:xfrm>
+            <a:off x="15944843" y="5552872"/>
+            <a:ext cx="2442559" cy="977523"/>
+          </a:xfrm>
+          <a:prstGeom prst="ellipse">
+            <a:avLst/>
+          </a:prstGeom>
+          <a:solidFill>
+            <a:srgbClr val="C00000"/>
+          </a:solidFill>
+        </p:spPr>
+        <p:style>
+          <a:lnRef idx="2">
+            <a:schemeClr val="accent4">
+              <a:shade val="15000"/>
+            </a:schemeClr>
+          </a:lnRef>
+          <a:fillRef idx="1">
+            <a:schemeClr val="accent4"/>
+          </a:fillRef>
+          <a:effectRef idx="0">
+            <a:schemeClr val="accent4"/>
+          </a:effectRef>
+          <a:fontRef idx="minor">
+            <a:schemeClr val="lt1"/>
+          </a:fontRef>
+        </p:style>
+        <p:txBody>
+          <a:bodyPr rtlCol="0" anchor="ctr"/>
+          <a:lstStyle/>
+          <a:p>
+            <a:pPr algn="ctr"/>
+            <a:r>
+              <a:rPr lang="en-US" sz="3200" dirty="0" err="1"/>
+              <a:t>Chunker</a:t>
+            </a:r>
+            <a:endParaRPr lang="en-US" sz="3200" dirty="0"/>
+          </a:p>
+        </p:txBody>
+      </p:sp>
+      <p:sp>
+        <p:nvSpPr>
+          <p:cNvPr id="1135" name="TextBox 1134">
+            <a:extLst>
+              <a:ext uri="{FF2B5EF4-FFF2-40B4-BE49-F238E27FC236}">
+                <a16:creationId xmlns:a16="http://schemas.microsoft.com/office/drawing/2014/main" id="{52E40681-296C-AE6F-352C-8B6D746FF7A6}"/>
+              </a:ext>
+            </a:extLst>
+          </p:cNvPr>
+          <p:cNvSpPr txBox="1"/>
+          <p:nvPr/>
+        </p:nvSpPr>
+        <p:spPr>
+          <a:xfrm>
+            <a:off x="26980066" y="2125985"/>
+            <a:ext cx="5371100" cy="1323439"/>
+          </a:xfrm>
+          <a:prstGeom prst="rect">
+            <a:avLst/>
+          </a:prstGeom>
+          <a:noFill/>
+        </p:spPr>
+        <p:txBody>
+          <a:bodyPr wrap="square">
+            <a:spAutoFit/>
+          </a:bodyPr>
+          <a:lstStyle>
+            <a:defPPr>
+              <a:defRPr lang="en-US"/>
+            </a:defPPr>
+            <a:lvl1pPr>
+              <a:defRPr sz="5400" b="1"/>
+            </a:lvl1pPr>
+          </a:lstStyle>
+          <a:p>
+            <a:r>
+              <a:rPr lang="en-HK" sz="4000" dirty="0"/>
+              <a:t>context length (512 tokens for </a:t>
+            </a:r>
+            <a:r>
+              <a:rPr lang="en-HK" sz="4000" dirty="0" err="1"/>
+              <a:t>gte</a:t>
+            </a:r>
+            <a:r>
+              <a:rPr lang="en-HK" sz="4000" dirty="0"/>
+              <a:t>-large)</a:t>
+            </a:r>
+          </a:p>
+        </p:txBody>
+      </p:sp>
+      <p:sp>
+        <p:nvSpPr>
+          <p:cNvPr id="1148" name="Rectangle 1147">
+            <a:extLst>
+              <a:ext uri="{FF2B5EF4-FFF2-40B4-BE49-F238E27FC236}">
+                <a16:creationId xmlns:a16="http://schemas.microsoft.com/office/drawing/2014/main" id="{E9E1B8AA-9609-A119-A693-D8697D4A1F24}"/>
+              </a:ext>
+            </a:extLst>
+          </p:cNvPr>
+          <p:cNvSpPr/>
+          <p:nvPr/>
+        </p:nvSpPr>
+        <p:spPr>
+          <a:xfrm>
+            <a:off x="580600" y="18494639"/>
+            <a:ext cx="44088461" cy="2554545"/>
+          </a:xfrm>
+          <a:prstGeom prst="rect">
+            <a:avLst/>
+          </a:prstGeom>
+          <a:solidFill>
+            <a:schemeClr val="bg1"/>
+          </a:solidFill>
+          <a:effectLst>
+            <a:glow rad="228600">
+              <a:schemeClr val="accent1">
+                <a:satMod val="175000"/>
+                <a:alpha val="40000"/>
+              </a:schemeClr>
+            </a:glow>
+          </a:effectLst>
+        </p:spPr>
+        <p:txBody>
+          <a:bodyPr wrap="square" lIns="91440" tIns="45720" rIns="91440" bIns="45720">
+            <a:spAutoFit/>
+          </a:bodyPr>
+          <a:lstStyle/>
+          <a:p>
+            <a:pPr algn="ctr"/>
+            <a:r>
+              <a:rPr lang="en-US" sz="8000" b="1" dirty="0">
+                <a:ln w="0"/>
+                <a:gradFill>
+                  <a:gsLst>
+                    <a:gs pos="0">
+                      <a:schemeClr val="accent5">
+                        <a:lumMod val="50000"/>
+                      </a:schemeClr>
+                    </a:gs>
+                    <a:gs pos="50000">
+                      <a:schemeClr val="accent5"/>
+                    </a:gs>
+                    <a:gs pos="100000">
+                      <a:schemeClr val="accent5">
+                        <a:lumMod val="60000"/>
+                        <a:lumOff val="40000"/>
+                      </a:schemeClr>
+                    </a:gs>
+                  </a:gsLst>
+                  <a:lin ang="5400000"/>
+                </a:gradFill>
+                <a:effectLst>
+                  <a:reflection blurRad="6350" stA="53000" endA="300" endPos="35500" dir="5400000" sy="-90000" algn="bl" rotWithShape="0"/>
+                </a:effectLst>
+              </a:rPr>
+              <a:t>RAG – Retrieval-augmented generation (RAG) is a technique that enhances generative Al models by incorporating external data sources to improve accuracy and relevance in text generation</a:t>
+            </a:r>
+          </a:p>
+        </p:txBody>
+      </p:sp>
+    </p:spTree>
+    <p:extLst>
+      <p:ext uri="{BB962C8B-B14F-4D97-AF65-F5344CB8AC3E}">
+        <p14:creationId xmlns:p14="http://schemas.microsoft.com/office/powerpoint/2010/main" val="3168815818"/>
+      </p:ext>
+    </p:extLst>
+  </p:cSld>
+  <p:clrMapOvr>
+    <a:masterClrMapping/>
+  </p:clrMapOvr>
+  <p:timing>
+    <p:tnLst>
+      <p:par>
+        <p:cTn id="1" dur="indefinite" restart="never" nodeType="tmRoot">
+          <p:childTnLst>
+            <p:seq concurrent="1" nextAc="seek">
+              <p:cTn id="2" dur="indefinite" nodeType="mainSeq">
+                <p:childTnLst>
+                  <p:par>
+                    <p:cTn id="3" fill="hold">
+                      <p:stCondLst>
+                        <p:cond delay="indefinite"/>
+                        <p:cond evt="onBegin" delay="0">
+                          <p:tn val="2"/>
+                        </p:cond>
+                      </p:stCondLst>
+                      <p:childTnLst>
+                        <p:par>
+                          <p:cTn id="4" fill="hold">
+                            <p:stCondLst>
+                              <p:cond delay="0"/>
+                            </p:stCondLst>
+                            <p:childTnLst>
+                              <p:par>
+                                <p:cTn id="5" presetID="0" presetClass="path" presetSubtype="0" repeatCount="indefinite" accel="50000" decel="50000" fill="hold" grpId="0" nodeType="withEffect">
+                                  <p:stCondLst>
+                                    <p:cond delay="0"/>
+                                  </p:stCondLst>
+                                  <p:endCondLst>
+                                    <p:cond evt="onNext" delay="0">
+                                      <p:tgtEl>
+                                        <p:sldTgt/>
+                                      </p:tgtEl>
+                                    </p:cond>
+                                  </p:endCondLst>
+                                  <p:childTnLst>
+                                    <p:animMotion origin="layout" path="M 0.00063 -0.0258 L 0.00063 -0.0258 C 0.00032 -0.02176 -0.00035 -0.01771 -0.00035 -0.01353 C -0.00035 -0.00912 0.00106 -0.00184 0.00159 0.00279 C 0.00197 0.00595 0.00222 0.00918 0.00257 0.01235 C 0.00289 0.01514 0.00321 0.01778 0.00356 0.02058 C 0.00349 0.02116 0.00187 0.03969 0.00159 0.04101 C 0.0006 0.04579 -0.00378 0.04836 -0.0061 0.05064 L -0.01189 0.05608 C -0.01288 0.05696 -0.01369 0.05828 -0.01482 0.0588 C -0.01574 0.05924 -0.01679 0.05953 -0.01768 0.06012 C -0.01873 0.06093 -0.01958 0.0621 -0.02057 0.06291 C -0.02152 0.0635 -0.02258 0.06357 -0.0235 0.06423 C -0.02452 0.06497 -0.02533 0.06629 -0.02635 0.06695 C -0.02822 0.06813 -0.03048 0.06813 -0.03217 0.06975 C -0.0356 0.07298 -0.03591 0.07379 -0.04082 0.07519 L -0.04565 0.07658 C -0.0514 0.07805 -0.05091 0.07761 -0.05627 0.0793 C -0.06326 0.08151 -0.05694 0.07996 -0.06495 0.08202 C -0.06689 0.08253 -0.06883 0.08283 -0.07073 0.08334 C -0.07204 0.08378 -0.07327 0.08445 -0.07458 0.08474 C -0.07684 0.08533 -0.07913 0.08555 -0.08135 0.08614 C -0.08298 0.0865 -0.08456 0.08702 -0.08619 0.08746 C -0.0985 0.084 -0.0882 0.08628 -0.11317 0.08746 C -0.11575 0.08761 -0.11832 0.08746 -0.12086 0.08746 " pathEditMode="relative" rAng="0" ptsTypes="AAAAAAAAAAAAAAAAAAAAAAAAA">
+                                      <p:cBhvr>
+                                        <p:cTn id="6" dur="2000" fill="hold"/>
+                                        <p:tgtEl>
+                                          <p:spTgt spid="1132"/>
+                                        </p:tgtEl>
+                                        <p:attrNameLst>
+                                          <p:attrName>ppt_x</p:attrName>
+                                          <p:attrName>ppt_y</p:attrName>
+                                        </p:attrNameLst>
+                                      </p:cBhvr>
+                                      <p:rCtr x="-5930" y="5667"/>
+                                    </p:animMotion>
+                                  </p:childTnLst>
+                                </p:cTn>
+                              </p:par>
+                              <p:par>
+                                <p:cTn id="7" presetID="0" presetClass="path" presetSubtype="0" repeatCount="indefinite" accel="50000" decel="50000" fill="hold" grpId="0" nodeType="withEffect">
+                                  <p:stCondLst>
+                                    <p:cond delay="0"/>
+                                  </p:stCondLst>
+                                  <p:endCondLst>
+                                    <p:cond evt="onNext" delay="0">
+                                      <p:tgtEl>
+                                        <p:sldTgt/>
+                                      </p:tgtEl>
+                                    </p:cond>
+                                  </p:endCondLst>
+                                  <p:childTnLst>
+                                    <p:animMotion origin="layout" path="M -0.00106 0.01095 L -0.00106 0.01102 C -0.03157 0.02624 -0.00226 0.01308 -0.07521 0.01308 C -0.09229 0.01308 -0.1094 0.01455 -0.12651 0.01529 L -0.15692 0.01308 C -0.16323 0.01257 -0.16958 0.01154 -0.1759 0.01095 L -0.231 0.00669 L -0.24049 0.00455 C -0.24339 0.00389 -0.24621 0.00279 -0.24907 0.00235 C -0.26018 0.00081 -0.28752 -0.00096 -0.2975 -0.00191 L -0.33744 -0.00618 C -0.33931 -0.00691 -0.34174 -0.00529 -0.34312 -0.00838 C -0.34393 -0.01014 -0.33913 -0.01213 -0.34026 -0.01264 C -0.34587 -0.01514 -0.35169 -0.01411 -0.35737 -0.01477 C -0.35987 -0.01551 -0.36245 -0.01595 -0.36495 -0.01691 C -0.37229 -0.0197 -0.36506 -0.01889 -0.37353 -0.02124 C -0.38228 -0.02374 -0.39028 -0.02396 -0.39917 -0.02551 C -0.40203 -0.02602 -0.40489 -0.02698 -0.40771 -0.02764 C -0.41815 -0.03352 -0.40179 -0.02455 -0.42292 -0.0341 C -0.4245 -0.03484 -0.42609 -0.03565 -0.42768 -0.03624 C -0.4299 -0.03704 -0.43212 -0.03749 -0.43435 -0.03837 C -0.43558 -0.03896 -0.43685 -0.03991 -0.43812 -0.04057 C -0.43971 -0.04131 -0.4413 -0.04204 -0.44288 -0.0427 C -0.44722 -0.04454 -0.44849 -0.04439 -0.45237 -0.04697 C -0.45431 -0.04829 -0.45611 -0.05042 -0.45809 -0.0513 C -0.46186 -0.05299 -0.46701 -0.05512 -0.47044 -0.0577 L -0.47615 -0.06203 L -0.47897 -0.06416 C -0.47993 -0.0663 -0.48123 -0.06791 -0.48183 -0.07063 C -0.48289 -0.07548 -0.48278 -0.08055 -0.48278 -0.08555 " pathEditMode="relative" rAng="0" ptsTypes="AAAAAAAAAAAAAAAAAAAAAAAAAAAAAA">
+                                      <p:cBhvr>
+                                        <p:cTn id="8" dur="2000" fill="hold"/>
+                                        <p:tgtEl>
+                                          <p:spTgt spid="1133"/>
+                                        </p:tgtEl>
+                                        <p:attrNameLst>
+                                          <p:attrName>ppt_x</p:attrName>
+                                          <p:attrName>ppt_y</p:attrName>
+                                        </p:attrNameLst>
+                                      </p:cBhvr>
+                                      <p:rCtr x="-24088" y="-4461"/>
+                                    </p:animMotion>
+                                  </p:childTnLst>
+                                </p:cTn>
+                              </p:par>
+                              <p:par>
+                                <p:cTn id="9" presetID="0" presetClass="path" presetSubtype="0" repeatCount="indefinite" accel="50000" decel="50000" fill="hold" grpId="0" nodeType="withEffect">
+                                  <p:stCondLst>
+                                    <p:cond delay="0"/>
+                                  </p:stCondLst>
+                                  <p:endCondLst>
+                                    <p:cond evt="onNext" delay="0">
+                                      <p:tgtEl>
+                                        <p:sldTgt/>
+                                      </p:tgtEl>
+                                    </p:cond>
+                                  </p:endCondLst>
+                                  <p:childTnLst>
+                                    <p:animMotion origin="layout" path="M -4.12333E-6 3.23534E-6 L -4.12333E-6 7.32353E-5 C 0.00304 0.00066 0.00607 0.0022 0.00914 0.00205 C 0.03426 0.00117 0.05137 -0.00133 0.07416 -0.00427 L 0.08026 -0.0064 C 0.08196 -0.00706 0.08365 -0.00787 0.08534 -0.00853 C 0.0894 -0.01 0.09363 -0.01 0.09751 -0.01272 C 0.10146 -0.01544 0.10076 -0.01529 0.10566 -0.01698 C 0.11639 -0.02066 0.1112 -0.01757 0.12496 -0.0233 C 0.12665 -0.02404 0.12835 -0.02462 0.13004 -0.02543 C 0.13276 -0.02676 0.13544 -0.02852 0.13815 -0.02962 C 0.14535 -0.03264 0.14161 -0.03065 0.14934 -0.03602 C 0.15036 -0.03668 0.15149 -0.0369 0.15241 -0.03815 L 0.15544 -0.04234 C 0.15787 -0.05755 0.15491 -0.03859 0.15749 -0.05718 C 0.15777 -0.05932 0.1578 -0.06174 0.15847 -0.0635 C 0.15925 -0.06549 0.16052 -0.06637 0.16154 -0.06777 C 0.16221 -0.07196 0.16204 -0.07732 0.16355 -0.08041 C 0.16458 -0.08254 0.16549 -0.08497 0.16662 -0.0868 C 0.16853 -0.08989 0.17033 -0.09401 0.17273 -0.09526 C 0.18416 -0.10121 0.17474 -0.0968 0.19912 -0.10158 L 0.22046 -0.10584 C 0.22353 -0.10657 0.22656 -0.10701 0.2296 -0.10797 C 0.23132 -0.10848 0.23298 -0.10951 0.23468 -0.1101 C 0.24053 -0.11209 0.24226 -0.11194 0.24791 -0.11429 C 0.24928 -0.11488 0.25059 -0.11605 0.25196 -0.11642 C 0.25634 -0.11752 0.26078 -0.1176 0.26516 -0.11855 C 0.27119 -0.1198 0.27645 -0.12238 0.28244 -0.12487 C 0.28414 -0.12561 0.28579 -0.12679 0.28752 -0.12701 C 0.30784 -0.12965 0.29839 -0.12818 0.31599 -0.1312 C 0.31479 -0.12392 0.31571 -0.12649 0.31395 -0.12274 " pathEditMode="relative" rAng="0" ptsTypes="AAAAAAAAAAAAAAAAAAAAAAAAAAAAAAA">
+                                      <p:cBhvr>
+                                        <p:cTn id="10" dur="2000" fill="hold"/>
+                                        <p:tgtEl>
+                                          <p:spTgt spid="1129"/>
+                                        </p:tgtEl>
+                                        <p:attrNameLst>
+                                          <p:attrName>ppt_x</p:attrName>
+                                          <p:attrName>ppt_y</p:attrName>
+                                        </p:attrNameLst>
+                                      </p:cBhvr>
+                                      <p:rCtr x="15798" y="-6460"/>
+                                    </p:animMotion>
+                                  </p:childTnLst>
+                                </p:cTn>
+                              </p:par>
+                              <p:par>
+                                <p:cTn id="11" presetID="0" presetClass="path" presetSubtype="0" repeatCount="indefinite" accel="50000" decel="50000" fill="hold" grpId="0" nodeType="withEffect">
+                                  <p:stCondLst>
+                                    <p:cond delay="0"/>
+                                  </p:stCondLst>
+                                  <p:endCondLst>
+                                    <p:cond evt="onNext" delay="0">
+                                      <p:tgtEl>
+                                        <p:sldTgt/>
+                                      </p:tgtEl>
+                                    </p:cond>
+                                  </p:endCondLst>
+                                  <p:childTnLst>
+                                    <p:animMotion origin="layout" path="M -0.02928 4.68911E-7 L -0.02928 7.04689E-5 C -0.02836 0.00022 -0.02744 0.00066 -0.02652 0.00066 C -0.026 0.00066 -0.0255 4.68911E-7 -0.02497 4.68911E-7 C -0.02395 4.68911E-7 -0.02293 0.00044 -0.0219 0.00066 L -0.00282 -0.00066 C -0.00158 -0.00081 -0.00035 -0.0011 0.00089 -0.00132 C 0.00272 -0.00154 0.00459 -0.00169 0.00643 -0.00191 C 0.00713 -0.00213 0.00787 -0.00228 0.00858 -0.00257 C 0.00942 -0.00294 0.00995 -0.00331 0.01073 -0.0039 C 0.01105 -0.00426 0.01133 -0.00485 0.01165 -0.00515 C 0.01225 -0.00573 0.01352 -0.00639 0.01352 -0.00632 C 0.0138 -0.00684 0.01412 -0.00735 0.01443 -0.00772 C 0.01599 -0.00933 0.01525 -0.00691 0.01722 -0.01095 C 0.0187 -0.01404 0.0168 -0.01022 0.01874 -0.01345 C 0.01898 -0.01389 0.01913 -0.01441 0.01937 -0.01477 C 0.02022 -0.01617 0.02022 -0.01602 0.02121 -0.01668 C 0.02152 -0.01713 0.02181 -0.01764 0.02212 -0.01801 C 0.02241 -0.0183 0.02279 -0.01823 0.02304 -0.0186 C 0.02336 -0.01911 0.02339 -0.02007 0.02368 -0.02051 C 0.02424 -0.02154 0.02498 -0.02205 0.02551 -0.02308 C 0.02872 -0.02977 0.02435 -0.02095 0.02738 -0.02631 C 0.0278 -0.02712 0.02812 -0.02822 0.02858 -0.02888 L 0.03045 -0.03146 C 0.03077 -0.0319 0.03112 -0.03219 0.03137 -0.03271 C 0.03168 -0.03337 0.03193 -0.0341 0.03228 -0.03462 C 0.03288 -0.03557 0.03363 -0.03616 0.03415 -0.03719 C 0.03433 -0.03763 0.03454 -0.03815 0.03475 -0.03851 C 0.03504 -0.03895 0.03539 -0.03925 0.03567 -0.03976 C 0.03624 -0.04079 0.03722 -0.043 0.03722 -0.04292 C 0.03733 -0.04366 0.03733 -0.04439 0.03754 -0.04491 C 0.03916 -0.04917 0.03782 -0.043 0.03906 -0.04814 C 0.03934 -0.04917 0.03952 -0.0516 0.03969 -0.05262 C 0.03987 -0.05387 0.04008 -0.0552 0.04029 -0.05645 L 0.04061 -0.05836 C 0.04068 -0.06247 0.04072 -0.07262 0.04121 -0.07827 C 0.04234 -0.09077 0.04142 -0.07916 0.04216 -0.08533 C 0.0423 -0.08665 0.04262 -0.09143 0.04308 -0.09239 C 0.04368 -0.09364 0.04442 -0.09474 0.04491 -0.09621 C 0.04534 -0.09746 0.04555 -0.09849 0.04615 -0.09944 C 0.04675 -0.10032 0.04738 -0.10113 0.04798 -0.10201 L 0.04894 -0.10326 C 0.04922 -0.1037 0.0495 -0.10429 0.04985 -0.10459 L 0.05077 -0.10517 C 0.05253 -0.10767 0.05084 -0.10554 0.0526 -0.10716 C 0.05303 -0.10753 0.05342 -0.10804 0.05384 -0.10841 C 0.05444 -0.10892 0.05507 -0.10929 0.05571 -0.10966 C 0.05599 -0.10988 0.05634 -0.10995 0.05663 -0.11032 C 0.05751 -0.11142 0.05825 -0.1123 0.0591 -0.11355 C 0.05948 -0.11414 0.05991 -0.11488 0.0603 -0.11546 C 0.06061 -0.11591 0.06093 -0.11627 0.06125 -0.11671 C 0.06146 -0.11715 0.0616 -0.11774 0.06185 -0.11804 C 0.06213 -0.1184 0.06248 -0.1184 0.06276 -0.1187 C 0.06598 -0.12156 0.06209 -0.11862 0.06523 -0.12061 C 0.06587 -0.12098 0.06647 -0.12142 0.0671 -0.12186 L 0.06802 -0.12252 C 0.0683 -0.12274 0.06862 -0.12296 0.06894 -0.12318 L 0.07141 -0.12443 C 0.0718 -0.12465 0.07222 -0.12495 0.07264 -0.12509 C 0.07314 -0.12531 0.07367 -0.12546 0.07416 -0.12575 C 0.07635 -0.12671 0.07451 -0.1259 0.07631 -0.127 C 0.07674 -0.12722 0.07716 -0.12737 0.07755 -0.12766 C 0.07818 -0.12803 0.07878 -0.12862 0.07942 -0.12891 C 0.0798 -0.12913 0.08023 -0.12936 0.08065 -0.12958 C 0.08093 -0.12972 0.08125 -0.13002 0.08157 -0.13024 C 0.08206 -0.13046 0.08259 -0.1306 0.08309 -0.13083 C 0.08351 -0.13105 0.08393 -0.13127 0.08432 -0.13149 C 0.08464 -0.13171 0.08496 -0.132 0.08527 -0.13215 C 0.087 -0.13303 0.08644 -0.13244 0.08802 -0.1334 C 0.08866 -0.13384 0.08922 -0.13443 0.08986 -0.13472 C 0.09039 -0.13494 0.09092 -0.13509 0.09141 -0.13531 C 0.09205 -0.13568 0.09265 -0.13626 0.09325 -0.13663 C 0.09367 -0.13685 0.09409 -0.137 0.09448 -0.13729 C 0.09512 -0.13766 0.09571 -0.1381 0.09635 -0.13854 L 0.09818 -0.13987 C 0.0985 -0.14001 0.09878 -0.14031 0.0991 -0.14045 C 0.10171 -0.14156 0.09988 -0.14089 0.10341 -0.14178 C 0.10637 -0.14251 0.10499 -0.14236 0.10683 -0.14236 " pathEditMode="relative" rAng="0" ptsTypes="AAAAAAAAAAAAAAAAAAAAAAAAAAAAAAAAAAAAAAAAAAAAAAAAAAAAAAAAAAAAAAAAAAAAAAAAAAAAAA">
+                                      <p:cBhvr>
+                                        <p:cTn id="12" dur="2000" fill="hold"/>
+                                        <p:tgtEl>
+                                          <p:spTgt spid="1134"/>
+                                        </p:tgtEl>
+                                        <p:attrNameLst>
+                                          <p:attrName>ppt_x</p:attrName>
+                                          <p:attrName>ppt_y</p:attrName>
+                                        </p:attrNameLst>
+                                      </p:cBhvr>
+                                      <p:rCtr x="6805" y="-7092"/>
+                                    </p:animMotion>
+                                  </p:childTnLst>
+                                </p:cTn>
+                              </p:par>
+                            </p:childTnLst>
+                          </p:cTn>
+                        </p:par>
+                      </p:childTnLst>
+                    </p:cTn>
+                  </p:par>
+                </p:childTnLst>
+              </p:cTn>
+              <p:prevCondLst>
+                <p:cond evt="onPrev" delay="0">
+                  <p:tgtEl>
+                    <p:sldTgt/>
+                  </p:tgtEl>
+                </p:cond>
+              </p:prevCondLst>
+              <p:nextCondLst>
+                <p:cond evt="onNext" delay="0">
+                  <p:tgtEl>
+                    <p:sldTgt/>
+                  </p:tgtEl>
+                </p:cond>
+              </p:nextCondLst>
+            </p:seq>
+          </p:childTnLst>
+        </p:cTn>
+      </p:par>
+    </p:tnLst>
+    <p:bldLst>
+      <p:bldP spid="1129" grpId="0" animBg="1"/>
+      <p:bldP spid="1132" grpId="0" animBg="1"/>
+      <p:bldP spid="1133" grpId="0" animBg="1"/>
+      <p:bldP spid="1134" grpId="0" animBg="1"/>
+    </p:bldLst>
+  </p:timing>
+</p:sld>
+</file>
+
 <file path=ppt/theme/theme1.xml><?xml version="1.0" encoding="utf-8"?>
 <a:theme xmlns:a="http://schemas.openxmlformats.org/drawingml/2006/main" name="Office Theme">
   <a:themeElements>
@@ -13360,4 +16777,319 @@
     </a:ext>
   </a:extLst>
 </a:theme>
+</file>
+
+<file path=ppt/theme/theme2.xml><?xml version="1.0" encoding="utf-8"?>
+<a:theme xmlns:a="http://schemas.openxmlformats.org/drawingml/2006/main" name="Office Theme">
+  <a:themeElements>
+    <a:clrScheme name="Office">
+      <a:dk1>
+        <a:sysClr val="windowText" lastClr="000000"/>
+      </a:dk1>
+      <a:lt1>
+        <a:sysClr val="window" lastClr="FFFFFF"/>
+      </a:lt1>
+      <a:dk2>
+        <a:srgbClr val="0E2841"/>
+      </a:dk2>
+      <a:lt2>
+        <a:srgbClr val="E8E8E8"/>
+      </a:lt2>
+      <a:accent1>
+        <a:srgbClr val="156082"/>
+      </a:accent1>
+      <a:accent2>
+        <a:srgbClr val="E97132"/>
+      </a:accent2>
+      <a:accent3>
+        <a:srgbClr val="196B24"/>
+      </a:accent3>
+      <a:accent4>
+        <a:srgbClr val="0F9ED5"/>
+      </a:accent4>
+      <a:accent5>
+        <a:srgbClr val="A02B93"/>
+      </a:accent5>
+      <a:accent6>
+        <a:srgbClr val="4EA72E"/>
+      </a:accent6>
+      <a:hlink>
+        <a:srgbClr val="467886"/>
+      </a:hlink>
+      <a:folHlink>
+        <a:srgbClr val="96607D"/>
+      </a:folHlink>
+    </a:clrScheme>
+    <a:fontScheme name="Office">
+      <a:majorFont>
+        <a:latin typeface="Aptos Display" panose="02110004020202020204"/>
+        <a:ea typeface=""/>
+        <a:cs typeface=""/>
+        <a:font script="Jpan" typeface="游ゴシック Light"/>
+        <a:font script="Hang" typeface="맑은 고딕"/>
+        <a:font script="Hans" typeface="等线 Light"/>
+        <a:font script="Hant" typeface="新細明體"/>
+        <a:font script="Arab" typeface="Times New Roman"/>
+        <a:font script="Hebr" typeface="Times New Roman"/>
+        <a:font script="Thai" typeface="Angsana New"/>
+        <a:font script="Ethi" typeface="Nyala"/>
+        <a:font script="Beng" typeface="Vrinda"/>
+        <a:font script="Gujr" typeface="Shruti"/>
+        <a:font script="Khmr" typeface="MoolBoran"/>
+        <a:font script="Knda" typeface="Tunga"/>
+        <a:font script="Guru" typeface="Raavi"/>
+        <a:font script="Cans" typeface="Euphemia"/>
+        <a:font script="Cher" typeface="Plantagenet Cherokee"/>
+        <a:font script="Yiii" typeface="Microsoft Yi Baiti"/>
+        <a:font script="Tibt" typeface="Microsoft Himalaya"/>
+        <a:font script="Thaa" typeface="MV Boli"/>
+        <a:font script="Deva" typeface="Mangal"/>
+        <a:font script="Telu" typeface="Gautami"/>
+        <a:font script="Taml" typeface="Latha"/>
+        <a:font script="Syrc" typeface="Estrangelo Edessa"/>
+        <a:font script="Orya" typeface="Kalinga"/>
+        <a:font script="Mlym" typeface="Kartika"/>
+        <a:font script="Laoo" typeface="DokChampa"/>
+        <a:font script="Sinh" typeface="Iskoola Pota"/>
+        <a:font script="Mong" typeface="Mongolian Baiti"/>
+        <a:font script="Viet" typeface="Times New Roman"/>
+        <a:font script="Uigh" typeface="Microsoft Uighur"/>
+        <a:font script="Geor" typeface="Sylfaen"/>
+        <a:font script="Armn" typeface="Arial"/>
+        <a:font script="Bugi" typeface="Leelawadee UI"/>
+        <a:font script="Bopo" typeface="Microsoft JhengHei"/>
+        <a:font script="Java" typeface="Javanese Text"/>
+        <a:font script="Lisu" typeface="Segoe UI"/>
+        <a:font script="Mymr" typeface="Myanmar Text"/>
+        <a:font script="Nkoo" typeface="Ebrima"/>
+        <a:font script="Olck" typeface="Nirmala UI"/>
+        <a:font script="Osma" typeface="Ebrima"/>
+        <a:font script="Phag" typeface="Phagspa"/>
+        <a:font script="Syrn" typeface="Estrangelo Edessa"/>
+        <a:font script="Syrj" typeface="Estrangelo Edessa"/>
+        <a:font script="Syre" typeface="Estrangelo Edessa"/>
+        <a:font script="Sora" typeface="Nirmala UI"/>
+        <a:font script="Tale" typeface="Microsoft Tai Le"/>
+        <a:font script="Talu" typeface="Microsoft New Tai Lue"/>
+        <a:font script="Tfng" typeface="Ebrima"/>
+      </a:majorFont>
+      <a:minorFont>
+        <a:latin typeface="Aptos" panose="02110004020202020204"/>
+        <a:ea typeface=""/>
+        <a:cs typeface=""/>
+        <a:font script="Jpan" typeface="游ゴシック"/>
+        <a:font script="Hang" typeface="맑은 고딕"/>
+        <a:font script="Hans" typeface="等线"/>
+        <a:font script="Hant" typeface="新細明體"/>
+        <a:font script="Arab" typeface="Arial"/>
+        <a:font script="Hebr" typeface="Arial"/>
+        <a:font script="Thai" typeface="Cordia New"/>
+        <a:font script="Ethi" typeface="Nyala"/>
+        <a:font script="Beng" typeface="Vrinda"/>
+        <a:font script="Gujr" typeface="Shruti"/>
+        <a:font script="Khmr" typeface="DaunPenh"/>
+        <a:font script="Knda" typeface="Tunga"/>
+        <a:font script="Guru" typeface="Raavi"/>
+        <a:font script="Cans" typeface="Euphemia"/>
+        <a:font script="Cher" typeface="Plantagenet Cherokee"/>
+        <a:font script="Yiii" typeface="Microsoft Yi Baiti"/>
+        <a:font script="Tibt" typeface="Microsoft Himalaya"/>
+        <a:font script="Thaa" typeface="MV Boli"/>
+        <a:font script="Deva" typeface="Mangal"/>
+        <a:font script="Telu" typeface="Gautami"/>
+        <a:font script="Taml" typeface="Latha"/>
+        <a:font script="Syrc" typeface="Estrangelo Edessa"/>
+        <a:font script="Orya" typeface="Kalinga"/>
+        <a:font script="Mlym" typeface="Kartika"/>
+        <a:font script="Laoo" typeface="DokChampa"/>
+        <a:font script="Sinh" typeface="Iskoola Pota"/>
+        <a:font script="Mong" typeface="Mongolian Baiti"/>
+        <a:font script="Viet" typeface="Arial"/>
+        <a:font script="Uigh" typeface="Microsoft Uighur"/>
+        <a:font script="Geor" typeface="Sylfaen"/>
+        <a:font script="Armn" typeface="Arial"/>
+        <a:font script="Bugi" typeface="Leelawadee UI"/>
+        <a:font script="Bopo" typeface="Microsoft JhengHei"/>
+        <a:font script="Java" typeface="Javanese Text"/>
+        <a:font script="Lisu" typeface="Segoe UI"/>
+        <a:font script="Mymr" typeface="Myanmar Text"/>
+        <a:font script="Nkoo" typeface="Ebrima"/>
+        <a:font script="Olck" typeface="Nirmala UI"/>
+        <a:font script="Osma" typeface="Ebrima"/>
+        <a:font script="Phag" typeface="Phagspa"/>
+        <a:font script="Syrn" typeface="Estrangelo Edessa"/>
+        <a:font script="Syrj" typeface="Estrangelo Edessa"/>
+        <a:font script="Syre" typeface="Estrangelo Edessa"/>
+        <a:font script="Sora" typeface="Nirmala UI"/>
+        <a:font script="Tale" typeface="Microsoft Tai Le"/>
+        <a:font script="Talu" typeface="Microsoft New Tai Lue"/>
+        <a:font script="Tfng" typeface="Ebrima"/>
+      </a:minorFont>
+    </a:fontScheme>
+    <a:fmtScheme name="Office">
+      <a:fillStyleLst>
+        <a:solidFill>
+          <a:schemeClr val="phClr"/>
+        </a:solidFill>
+        <a:gradFill rotWithShape="1">
+          <a:gsLst>
+            <a:gs pos="0">
+              <a:schemeClr val="phClr">
+                <a:lumMod val="110000"/>
+                <a:satMod val="105000"/>
+                <a:tint val="67000"/>
+              </a:schemeClr>
+            </a:gs>
+            <a:gs pos="50000">
+              <a:schemeClr val="phClr">
+                <a:lumMod val="105000"/>
+                <a:satMod val="103000"/>
+                <a:tint val="73000"/>
+              </a:schemeClr>
+            </a:gs>
+            <a:gs pos="100000">
+              <a:schemeClr val="phClr">
+                <a:lumMod val="105000"/>
+                <a:satMod val="109000"/>
+                <a:tint val="81000"/>
+              </a:schemeClr>
+            </a:gs>
+          </a:gsLst>
+          <a:lin ang="5400000" scaled="0"/>
+        </a:gradFill>
+        <a:gradFill rotWithShape="1">
+          <a:gsLst>
+            <a:gs pos="0">
+              <a:schemeClr val="phClr">
+                <a:satMod val="103000"/>
+                <a:lumMod val="102000"/>
+                <a:tint val="94000"/>
+              </a:schemeClr>
+            </a:gs>
+            <a:gs pos="50000">
+              <a:schemeClr val="phClr">
+                <a:satMod val="110000"/>
+                <a:lumMod val="100000"/>
+                <a:shade val="100000"/>
+              </a:schemeClr>
+            </a:gs>
+            <a:gs pos="100000">
+              <a:schemeClr val="phClr">
+                <a:lumMod val="99000"/>
+                <a:satMod val="120000"/>
+                <a:shade val="78000"/>
+              </a:schemeClr>
+            </a:gs>
+          </a:gsLst>
+          <a:lin ang="5400000" scaled="0"/>
+        </a:gradFill>
+      </a:fillStyleLst>
+      <a:lnStyleLst>
+        <a:ln w="12700" cap="flat" cmpd="sng" algn="ctr">
+          <a:solidFill>
+            <a:schemeClr val="phClr"/>
+          </a:solidFill>
+          <a:prstDash val="solid"/>
+          <a:miter lim="800000"/>
+        </a:ln>
+        <a:ln w="19050" cap="flat" cmpd="sng" algn="ctr">
+          <a:solidFill>
+            <a:schemeClr val="phClr"/>
+          </a:solidFill>
+          <a:prstDash val="solid"/>
+          <a:miter lim="800000"/>
+        </a:ln>
+        <a:ln w="25400" cap="flat" cmpd="sng" algn="ctr">
+          <a:solidFill>
+            <a:schemeClr val="phClr"/>
+          </a:solidFill>
+          <a:prstDash val="solid"/>
+          <a:miter lim="800000"/>
+        </a:ln>
+      </a:lnStyleLst>
+      <a:effectStyleLst>
+        <a:effectStyle>
+          <a:effectLst/>
+        </a:effectStyle>
+        <a:effectStyle>
+          <a:effectLst/>
+        </a:effectStyle>
+        <a:effectStyle>
+          <a:effectLst>
+            <a:outerShdw blurRad="57150" dist="19050" dir="5400000" algn="ctr" rotWithShape="0">
+              <a:srgbClr val="000000">
+                <a:alpha val="63000"/>
+              </a:srgbClr>
+            </a:outerShdw>
+          </a:effectLst>
+        </a:effectStyle>
+      </a:effectStyleLst>
+      <a:bgFillStyleLst>
+        <a:solidFill>
+          <a:schemeClr val="phClr"/>
+        </a:solidFill>
+        <a:solidFill>
+          <a:schemeClr val="phClr">
+            <a:tint val="95000"/>
+            <a:satMod val="170000"/>
+          </a:schemeClr>
+        </a:solidFill>
+        <a:gradFill rotWithShape="1">
+          <a:gsLst>
+            <a:gs pos="0">
+              <a:schemeClr val="phClr">
+                <a:tint val="93000"/>
+                <a:satMod val="150000"/>
+                <a:shade val="98000"/>
+                <a:lumMod val="102000"/>
+              </a:schemeClr>
+            </a:gs>
+            <a:gs pos="50000">
+              <a:schemeClr val="phClr">
+                <a:tint val="98000"/>
+                <a:satMod val="130000"/>
+                <a:shade val="90000"/>
+                <a:lumMod val="103000"/>
+              </a:schemeClr>
+            </a:gs>
+            <a:gs pos="100000">
+              <a:schemeClr val="phClr">
+                <a:shade val="63000"/>
+                <a:satMod val="120000"/>
+              </a:schemeClr>
+            </a:gs>
+          </a:gsLst>
+          <a:lin ang="5400000" scaled="0"/>
+        </a:gradFill>
+      </a:bgFillStyleLst>
+    </a:fmtScheme>
+  </a:themeElements>
+  <a:objectDefaults>
+    <a:lnDef>
+      <a:spPr/>
+      <a:bodyPr/>
+      <a:lstStyle/>
+      <a:style>
+        <a:lnRef idx="2">
+          <a:schemeClr val="accent1"/>
+        </a:lnRef>
+        <a:fillRef idx="0">
+          <a:schemeClr val="accent1"/>
+        </a:fillRef>
+        <a:effectRef idx="1">
+          <a:schemeClr val="accent1"/>
+        </a:effectRef>
+        <a:fontRef idx="minor">
+          <a:schemeClr val="tx1"/>
+        </a:fontRef>
+      </a:style>
+    </a:lnDef>
+  </a:objectDefaults>
+  <a:extraClrSchemeLst/>
+  <a:extLst>
+    <a:ext uri="{05A4C25C-085E-4340-85A3-A5531E510DB2}">
+      <thm15:themeFamily xmlns:thm15="http://schemas.microsoft.com/office/thememl/2012/main" name="Office Theme" id="{2E142A2C-CD16-42D6-873A-C26D2A0506FA}" vid="{1BDDFF52-6CD6-40A5-AB3C-68EB2F1E4D0A}"/>
+    </a:ext>
+  </a:extLst>
+</a:theme>
 </file>